--- a/4. Microservices with Spring Cloud/Day 5/Slides/2. Getting Familiar with Spring Cloud/getting-familiar-with-spring-cloud-slides.pptx
+++ b/4. Microservices with Spring Cloud/Day 5/Slides/2. Getting Familiar with Spring Cloud/getting-familiar-with-spring-cloud-slides.pptx
@@ -5,24 +5,24 @@
     <p:sldMasterId id="2147483648" r:id="rId1"/>
   </p:sldMasterIdLst>
   <p:notesMasterIdLst>
-    <p:notesMasterId r:id="rId17"/>
+    <p:notesMasterId r:id="rId18"/>
   </p:notesMasterIdLst>
   <p:sldIdLst>
-    <p:sldId id="256" r:id="rId2"/>
-    <p:sldId id="257" r:id="rId3"/>
-    <p:sldId id="258" r:id="rId4"/>
-    <p:sldId id="259" r:id="rId5"/>
-    <p:sldId id="260" r:id="rId6"/>
-    <p:sldId id="261" r:id="rId7"/>
-    <p:sldId id="262" r:id="rId8"/>
-    <p:sldId id="263" r:id="rId9"/>
-    <p:sldId id="264" r:id="rId10"/>
-    <p:sldId id="265" r:id="rId11"/>
-    <p:sldId id="266" r:id="rId12"/>
-    <p:sldId id="268" r:id="rId13"/>
-    <p:sldId id="269" r:id="rId14"/>
-    <p:sldId id="271" r:id="rId15"/>
-    <p:sldId id="272" r:id="rId16"/>
+    <p:sldId id="256" r:id="rId3"/>
+    <p:sldId id="257" r:id="rId4"/>
+    <p:sldId id="258" r:id="rId5"/>
+    <p:sldId id="259" r:id="rId6"/>
+    <p:sldId id="260" r:id="rId7"/>
+    <p:sldId id="261" r:id="rId8"/>
+    <p:sldId id="262" r:id="rId9"/>
+    <p:sldId id="263" r:id="rId10"/>
+    <p:sldId id="264" r:id="rId11"/>
+    <p:sldId id="265" r:id="rId12"/>
+    <p:sldId id="266" r:id="rId13"/>
+    <p:sldId id="268" r:id="rId14"/>
+    <p:sldId id="269" r:id="rId15"/>
+    <p:sldId id="271" r:id="rId16"/>
+    <p:sldId id="272" r:id="rId17"/>
   </p:sldIdLst>
   <p:sldSz cx="12192000" cy="6858000"/>
   <p:notesSz cx="12192000" cy="6858000"/>
@@ -206,7 +206,6 @@
           <a:p>
             <a:fld id="{A32358C8-562F-4974-A8E1-C5E046842BB5}" type="datetimeFigureOut">
               <a:rPr lang="en-US" smtClean="0"/>
-              <a:t>6/26/2021</a:t>
             </a:fld>
             <a:endParaRPr lang="en-US"/>
           </a:p>
@@ -275,6 +274,7 @@
               <a:rPr lang="en-US" smtClean="0"/>
               <a:t>Click to edit Master text styles</a:t>
             </a:r>
+            <a:endParaRPr lang="en-US" smtClean="0"/>
           </a:p>
           <a:p>
             <a:pPr lvl="1"/>
@@ -282,6 +282,7 @@
               <a:rPr lang="en-US" smtClean="0"/>
               <a:t>Second level</a:t>
             </a:r>
+            <a:endParaRPr lang="en-US" smtClean="0"/>
           </a:p>
           <a:p>
             <a:pPr lvl="2"/>
@@ -289,6 +290,7 @@
               <a:rPr lang="en-US" smtClean="0"/>
               <a:t>Third level</a:t>
             </a:r>
+            <a:endParaRPr lang="en-US" smtClean="0"/>
           </a:p>
           <a:p>
             <a:pPr lvl="3"/>
@@ -296,6 +298,7 @@
               <a:rPr lang="en-US" smtClean="0"/>
               <a:t>Fourth level</a:t>
             </a:r>
+            <a:endParaRPr lang="en-US" smtClean="0"/>
           </a:p>
           <a:p>
             <a:pPr lvl="4"/>
@@ -367,7 +370,6 @@
           <a:p>
             <a:fld id="{A1844B82-26EF-4112-A288-4C6928C174F9}" type="slidenum">
               <a:rPr lang="en-US" smtClean="0"/>
-              <a:t>‹#›</a:t>
             </a:fld>
             <a:endParaRPr lang="en-US"/>
           </a:p>
@@ -517,14 +519,12 @@
                 <a:solidFill>
                   <a:schemeClr val="bg1"/>
                 </a:solidFill>
-                <a:latin typeface="Verdana"/>
-                <a:cs typeface="Verdana"/>
+                <a:latin typeface="Verdana" panose="020B0604030504040204"/>
+                <a:cs typeface="Verdana" panose="020B0604030504040204"/>
               </a:defRPr>
             </a:lvl1pPr>
           </a:lstStyle>
-          <a:p>
-            <a:endParaRPr/>
-          </a:p>
+          <a:p/>
         </p:txBody>
       </p:sp>
       <p:sp>
@@ -555,9 +555,7 @@
               <a:defRPr/>
             </a:lvl1pPr>
           </a:lstStyle>
-          <a:p>
-            <a:endParaRPr/>
-          </a:p>
+          <a:p/>
         </p:txBody>
       </p:sp>
       <p:sp>
@@ -584,9 +582,7 @@
               </a:defRPr>
             </a:lvl1pPr>
           </a:lstStyle>
-          <a:p>
-            <a:endParaRPr/>
-          </a:p>
+          <a:p/>
         </p:txBody>
       </p:sp>
       <p:sp>
@@ -616,7 +612,6 @@
           <a:p>
             <a:fld id="{7302EA79-C921-489F-9806-BC896B27CBD6}" type="datetime1">
               <a:rPr lang="en-US" smtClean="0"/>
-              <a:t>6/26/2021</a:t>
             </a:fld>
             <a:endParaRPr lang="en-US"/>
           </a:p>
@@ -649,8 +644,6 @@
           <a:p>
             <a:fld id="{B6F15528-21DE-4FAA-801E-634DDDAF4B2B}" type="slidenum">
               <a:rPr/>
-              <a:pPr/>
-              <a:t>‹#›</a:t>
             </a:fld>
             <a:endParaRPr/>
           </a:p>
@@ -700,14 +693,12 @@
                 <a:solidFill>
                   <a:schemeClr val="bg1"/>
                 </a:solidFill>
-                <a:latin typeface="Verdana"/>
-                <a:cs typeface="Verdana"/>
+                <a:latin typeface="Verdana" panose="020B0604030504040204"/>
+                <a:cs typeface="Verdana" panose="020B0604030504040204"/>
               </a:defRPr>
             </a:lvl1pPr>
           </a:lstStyle>
-          <a:p>
-            <a:endParaRPr/>
-          </a:p>
+          <a:p/>
         </p:txBody>
       </p:sp>
       <p:sp>
@@ -729,14 +720,12 @@
                 <a:solidFill>
                   <a:srgbClr val="F05A28"/>
                 </a:solidFill>
-                <a:latin typeface="Verdana"/>
-                <a:cs typeface="Verdana"/>
+                <a:latin typeface="Verdana" panose="020B0604030504040204"/>
+                <a:cs typeface="Verdana" panose="020B0604030504040204"/>
               </a:defRPr>
             </a:lvl1pPr>
           </a:lstStyle>
-          <a:p>
-            <a:endParaRPr/>
-          </a:p>
+          <a:p/>
         </p:txBody>
       </p:sp>
       <p:sp>
@@ -763,9 +752,7 @@
               </a:defRPr>
             </a:lvl1pPr>
           </a:lstStyle>
-          <a:p>
-            <a:endParaRPr/>
-          </a:p>
+          <a:p/>
         </p:txBody>
       </p:sp>
       <p:sp>
@@ -795,7 +782,6 @@
           <a:p>
             <a:fld id="{00D9C389-C69A-41AB-8747-C5E3FB2EECAB}" type="datetime1">
               <a:rPr lang="en-US" smtClean="0"/>
-              <a:t>6/26/2021</a:t>
             </a:fld>
             <a:endParaRPr lang="en-US"/>
           </a:p>
@@ -828,8 +814,6 @@
           <a:p>
             <a:fld id="{B6F15528-21DE-4FAA-801E-634DDDAF4B2B}" type="slidenum">
               <a:rPr/>
-              <a:pPr/>
-              <a:t>‹#›</a:t>
             </a:fld>
             <a:endParaRPr/>
           </a:p>
@@ -879,14 +863,12 @@
                 <a:solidFill>
                   <a:schemeClr val="bg1"/>
                 </a:solidFill>
-                <a:latin typeface="Verdana"/>
-                <a:cs typeface="Verdana"/>
+                <a:latin typeface="Verdana" panose="020B0604030504040204"/>
+                <a:cs typeface="Verdana" panose="020B0604030504040204"/>
               </a:defRPr>
             </a:lvl1pPr>
           </a:lstStyle>
-          <a:p>
-            <a:endParaRPr/>
-          </a:p>
+          <a:p/>
         </p:txBody>
       </p:sp>
       <p:sp>
@@ -921,9 +903,7 @@
               </a:defRPr>
             </a:lvl1pPr>
           </a:lstStyle>
-          <a:p>
-            <a:endParaRPr/>
-          </a:p>
+          <a:p/>
         </p:txBody>
       </p:sp>
       <p:sp>
@@ -958,9 +938,7 @@
               </a:defRPr>
             </a:lvl1pPr>
           </a:lstStyle>
-          <a:p>
-            <a:endParaRPr/>
-          </a:p>
+          <a:p/>
         </p:txBody>
       </p:sp>
       <p:sp>
@@ -987,9 +965,7 @@
               </a:defRPr>
             </a:lvl1pPr>
           </a:lstStyle>
-          <a:p>
-            <a:endParaRPr/>
-          </a:p>
+          <a:p/>
         </p:txBody>
       </p:sp>
       <p:sp>
@@ -1019,7 +995,6 @@
           <a:p>
             <a:fld id="{EB4B68AB-49CB-4F5D-8DDF-043F0DA45CE4}" type="datetime1">
               <a:rPr lang="en-US" smtClean="0"/>
-              <a:t>6/26/2021</a:t>
             </a:fld>
             <a:endParaRPr lang="en-US"/>
           </a:p>
@@ -1052,8 +1027,6 @@
           <a:p>
             <a:fld id="{B6F15528-21DE-4FAA-801E-634DDDAF4B2B}" type="slidenum">
               <a:rPr/>
-              <a:pPr/>
-              <a:t>‹#›</a:t>
             </a:fld>
             <a:endParaRPr/>
           </a:p>
@@ -1103,14 +1076,12 @@
                 <a:solidFill>
                   <a:schemeClr val="bg1"/>
                 </a:solidFill>
-                <a:latin typeface="Verdana"/>
-                <a:cs typeface="Verdana"/>
+                <a:latin typeface="Verdana" panose="020B0604030504040204"/>
+                <a:cs typeface="Verdana" panose="020B0604030504040204"/>
               </a:defRPr>
             </a:lvl1pPr>
           </a:lstStyle>
-          <a:p>
-            <a:endParaRPr/>
-          </a:p>
+          <a:p/>
         </p:txBody>
       </p:sp>
       <p:sp>
@@ -1137,9 +1108,7 @@
               </a:defRPr>
             </a:lvl1pPr>
           </a:lstStyle>
-          <a:p>
-            <a:endParaRPr/>
-          </a:p>
+          <a:p/>
         </p:txBody>
       </p:sp>
       <p:sp>
@@ -1169,7 +1138,6 @@
           <a:p>
             <a:fld id="{0606E57B-7E7E-4DB2-8C2B-09DB7204FD60}" type="datetime1">
               <a:rPr lang="en-US" smtClean="0"/>
-              <a:t>6/26/2021</a:t>
             </a:fld>
             <a:endParaRPr lang="en-US"/>
           </a:p>
@@ -1202,8 +1170,6 @@
           <a:p>
             <a:fld id="{B6F15528-21DE-4FAA-801E-634DDDAF4B2B}" type="slidenum">
               <a:rPr/>
-              <a:pPr/>
-              <a:t>‹#›</a:t>
             </a:fld>
             <a:endParaRPr/>
           </a:p>
@@ -1218,7 +1184,7 @@
 </file>
 
 <file path=ppt/slideLayouts/slideLayout5.xml><?xml version="1.0" encoding="utf-8"?>
-<p:sldLayout xmlns:a="http://schemas.openxmlformats.org/drawingml/2006/main" xmlns:r="http://schemas.openxmlformats.org/officeDocument/2006/relationships" xmlns:p="http://schemas.openxmlformats.org/presentationml/2006/main" showMasterSp="0" type="obj" preserve="1">
+<p:sldLayout xmlns:a="http://schemas.openxmlformats.org/drawingml/2006/main" xmlns:r="http://schemas.openxmlformats.org/officeDocument/2006/relationships" xmlns:p="http://schemas.openxmlformats.org/presentationml/2006/main" type="obj" preserve="1" showMasterSp="0">
   <p:cSld name="Blank">
     <p:bg>
       <p:bgPr>
@@ -1266,9 +1232,7 @@
               </a:defRPr>
             </a:lvl1pPr>
           </a:lstStyle>
-          <a:p>
-            <a:endParaRPr/>
-          </a:p>
+          <a:p/>
         </p:txBody>
       </p:sp>
       <p:sp>
@@ -1298,7 +1262,6 @@
           <a:p>
             <a:fld id="{4CE8F058-BA6B-4CB5-84DD-44C6850F2E0F}" type="datetime1">
               <a:rPr lang="en-US" smtClean="0"/>
-              <a:t>6/26/2021</a:t>
             </a:fld>
             <a:endParaRPr lang="en-US"/>
           </a:p>
@@ -1331,8 +1294,6 @@
           <a:p>
             <a:fld id="{B6F15528-21DE-4FAA-801E-634DDDAF4B2B}" type="slidenum">
               <a:rPr/>
-              <a:pPr/>
-              <a:t>‹#›</a:t>
             </a:fld>
             <a:endParaRPr/>
           </a:p>
@@ -1371,28 +1332,6 @@
           <a:chExt cx="0" cy="0"/>
         </a:xfrm>
       </p:grpSpPr>
-      <p:pic>
-        <p:nvPicPr>
-          <p:cNvPr id="16" name="bg object 16"/>
-          <p:cNvPicPr/>
-          <p:nvPr/>
-        </p:nvPicPr>
-        <p:blipFill>
-          <a:blip r:embed="rId7" cstate="print"/>
-          <a:stretch>
-            <a:fillRect/>
-          </a:stretch>
-        </p:blipFill>
-        <p:spPr>
-          <a:xfrm>
-            <a:off x="11495531" y="6184391"/>
-            <a:ext cx="451103" cy="449579"/>
-          </a:xfrm>
-          <a:prstGeom prst="rect">
-            <a:avLst/>
-          </a:prstGeom>
-        </p:spPr>
-      </p:pic>
       <p:sp>
         <p:nvSpPr>
           <p:cNvPr id="2" name="Holder 2"/>
@@ -1422,14 +1361,12 @@
                 <a:solidFill>
                   <a:schemeClr val="bg1"/>
                 </a:solidFill>
-                <a:latin typeface="Verdana"/>
-                <a:cs typeface="Verdana"/>
+                <a:latin typeface="Verdana" panose="020B0604030504040204"/>
+                <a:cs typeface="Verdana" panose="020B0604030504040204"/>
               </a:defRPr>
             </a:lvl1pPr>
           </a:lstStyle>
-          <a:p>
-            <a:endParaRPr/>
-          </a:p>
+          <a:p/>
         </p:txBody>
       </p:sp>
       <p:sp>
@@ -1461,14 +1398,12 @@
                 <a:solidFill>
                   <a:srgbClr val="F05A28"/>
                 </a:solidFill>
-                <a:latin typeface="Verdana"/>
-                <a:cs typeface="Verdana"/>
+                <a:latin typeface="Verdana" panose="020B0604030504040204"/>
+                <a:cs typeface="Verdana" panose="020B0604030504040204"/>
               </a:defRPr>
             </a:lvl1pPr>
           </a:lstStyle>
-          <a:p>
-            <a:endParaRPr/>
-          </a:p>
+          <a:p/>
         </p:txBody>
       </p:sp>
       <p:sp>
@@ -1505,9 +1440,7 @@
               </a:defRPr>
             </a:lvl1pPr>
           </a:lstStyle>
-          <a:p>
-            <a:endParaRPr/>
-          </a:p>
+          <a:p/>
         </p:txBody>
       </p:sp>
       <p:sp>
@@ -1547,7 +1480,6 @@
           <a:p>
             <a:fld id="{4A43698E-71B2-4FFD-A023-4134558B902B}" type="datetime1">
               <a:rPr lang="en-US" smtClean="0"/>
-              <a:t>6/26/2021</a:t>
             </a:fld>
             <a:endParaRPr lang="en-US"/>
           </a:p>
@@ -1590,8 +1522,6 @@
           <a:p>
             <a:fld id="{B6F15528-21DE-4FAA-801E-634DDDAF4B2B}" type="slidenum">
               <a:rPr/>
-              <a:pPr/>
-              <a:t>‹#›</a:t>
             </a:fld>
             <a:endParaRPr/>
           </a:p>
@@ -1601,11 +1531,11 @@
   </p:cSld>
   <p:clrMap bg1="lt1" tx1="dk1" bg2="lt2" tx2="dk2" accent1="accent1" accent2="accent2" accent3="accent3" accent4="accent4" accent5="accent5" accent6="accent6" hlink="hlink" folHlink="folHlink"/>
   <p:sldLayoutIdLst>
-    <p:sldLayoutId id="2147483661" r:id="rId1"/>
-    <p:sldLayoutId id="2147483662" r:id="rId2"/>
-    <p:sldLayoutId id="2147483663" r:id="rId3"/>
-    <p:sldLayoutId id="2147483664" r:id="rId4"/>
-    <p:sldLayoutId id="2147483665" r:id="rId5"/>
+    <p:sldLayoutId id="2147483649" r:id="rId1"/>
+    <p:sldLayoutId id="2147483650" r:id="rId2"/>
+    <p:sldLayoutId id="2147483651" r:id="rId3"/>
+    <p:sldLayoutId id="2147483652" r:id="rId4"/>
+    <p:sldLayoutId id="2147483653" r:id="rId5"/>
   </p:sldLayoutIdLst>
   <p:hf hdr="0" ftr="0" dt="0"/>
   <p:txStyles>
@@ -1776,7 +1706,7 @@
           <p:nvPr/>
         </p:nvPicPr>
         <p:blipFill>
-          <a:blip r:embed="rId2" cstate="print"/>
+          <a:blip r:embed="rId1" cstate="print"/>
           <a:stretch>
             <a:fillRect/>
           </a:stretch>
@@ -1825,8 +1755,8 @@
                 <a:solidFill>
                   <a:srgbClr val="101010"/>
                 </a:solidFill>
-                <a:latin typeface="Verdana"/>
-                <a:cs typeface="Verdana"/>
+                <a:latin typeface="Verdana" panose="020B0604030504040204"/>
+                <a:cs typeface="Verdana" panose="020B0604030504040204"/>
               </a:rPr>
               <a:t>GETTING</a:t>
             </a:r>
@@ -1835,8 +1765,8 @@
                 <a:solidFill>
                   <a:srgbClr val="101010"/>
                 </a:solidFill>
-                <a:latin typeface="Verdana"/>
-                <a:cs typeface="Verdana"/>
+                <a:latin typeface="Verdana" panose="020B0604030504040204"/>
+                <a:cs typeface="Verdana" panose="020B0604030504040204"/>
               </a:rPr>
               <a:t> </a:t>
             </a:r>
@@ -1845,8 +1775,8 @@
                 <a:solidFill>
                   <a:srgbClr val="101010"/>
                 </a:solidFill>
-                <a:latin typeface="Verdana"/>
-                <a:cs typeface="Verdana"/>
+                <a:latin typeface="Verdana" panose="020B0604030504040204"/>
+                <a:cs typeface="Verdana" panose="020B0604030504040204"/>
               </a:rPr>
               <a:t>FAMILIAR</a:t>
             </a:r>
@@ -1855,8 +1785,8 @@
                 <a:solidFill>
                   <a:srgbClr val="101010"/>
                 </a:solidFill>
-                <a:latin typeface="Verdana"/>
-                <a:cs typeface="Verdana"/>
+                <a:latin typeface="Verdana" panose="020B0604030504040204"/>
+                <a:cs typeface="Verdana" panose="020B0604030504040204"/>
               </a:rPr>
               <a:t> </a:t>
             </a:r>
@@ -1865,8 +1795,8 @@
                 <a:solidFill>
                   <a:srgbClr val="101010"/>
                 </a:solidFill>
-                <a:latin typeface="Verdana"/>
-                <a:cs typeface="Verdana"/>
+                <a:latin typeface="Verdana" panose="020B0604030504040204"/>
+                <a:cs typeface="Verdana" panose="020B0604030504040204"/>
               </a:rPr>
               <a:t>WITH</a:t>
             </a:r>
@@ -1875,8 +1805,8 @@
                 <a:solidFill>
                   <a:srgbClr val="101010"/>
                 </a:solidFill>
-                <a:latin typeface="Verdana"/>
-                <a:cs typeface="Verdana"/>
+                <a:latin typeface="Verdana" panose="020B0604030504040204"/>
+                <a:cs typeface="Verdana" panose="020B0604030504040204"/>
               </a:rPr>
               <a:t> </a:t>
             </a:r>
@@ -1885,8 +1815,8 @@
                 <a:solidFill>
                   <a:srgbClr val="101010"/>
                 </a:solidFill>
-                <a:latin typeface="Verdana"/>
-                <a:cs typeface="Verdana"/>
+                <a:latin typeface="Verdana" panose="020B0604030504040204"/>
+                <a:cs typeface="Verdana" panose="020B0604030504040204"/>
               </a:rPr>
               <a:t>SPRING</a:t>
             </a:r>
@@ -1895,8 +1825,8 @@
                 <a:solidFill>
                   <a:srgbClr val="101010"/>
                 </a:solidFill>
-                <a:latin typeface="Verdana"/>
-                <a:cs typeface="Verdana"/>
+                <a:latin typeface="Verdana" panose="020B0604030504040204"/>
+                <a:cs typeface="Verdana" panose="020B0604030504040204"/>
               </a:rPr>
               <a:t> </a:t>
             </a:r>
@@ -1905,14 +1835,14 @@
                 <a:solidFill>
                   <a:srgbClr val="101010"/>
                 </a:solidFill>
-                <a:latin typeface="Verdana"/>
-                <a:cs typeface="Verdana"/>
+                <a:latin typeface="Verdana" panose="020B0604030504040204"/>
+                <a:cs typeface="Verdana" panose="020B0604030504040204"/>
               </a:rPr>
               <a:t>CLOUD</a:t>
             </a:r>
             <a:endParaRPr sz="2800">
-              <a:latin typeface="Verdana"/>
-              <a:cs typeface="Verdana"/>
+              <a:latin typeface="Verdana" panose="020B0604030504040204"/>
+              <a:cs typeface="Verdana" panose="020B0604030504040204"/>
             </a:endParaRPr>
           </a:p>
         </p:txBody>
@@ -2107,8 +2037,6 @@
           <a:p>
             <a:fld id="{B6F15528-21DE-4FAA-801E-634DDDAF4B2B}" type="slidenum">
               <a:rPr lang="en-US" smtClean="0"/>
-              <a:pPr/>
-              <a:t>1</a:t>
             </a:fld>
             <a:endParaRPr lang="en-US"/>
           </a:p>
@@ -2184,33 +2112,9 @@
         <p:txBody>
           <a:bodyPr wrap="square" lIns="0" tIns="0" rIns="0" bIns="0" rtlCol="0"/>
           <a:lstStyle/>
-          <a:p>
-            <a:endParaRPr/>
-          </a:p>
+          <a:p/>
         </p:txBody>
       </p:sp>
-      <p:pic>
-        <p:nvPicPr>
-          <p:cNvPr id="3" name="object 3"/>
-          <p:cNvPicPr/>
-          <p:nvPr/>
-        </p:nvPicPr>
-        <p:blipFill>
-          <a:blip r:embed="rId2" cstate="print"/>
-          <a:stretch>
-            <a:fillRect/>
-          </a:stretch>
-        </p:blipFill>
-        <p:spPr>
-          <a:xfrm>
-            <a:off x="11495531" y="6184391"/>
-            <a:ext cx="451103" cy="449579"/>
-          </a:xfrm>
-          <a:prstGeom prst="rect">
-            <a:avLst/>
-          </a:prstGeom>
-        </p:spPr>
-      </p:pic>
       <p:pic>
         <p:nvPicPr>
           <p:cNvPr id="4" name="object 4"/>
@@ -2218,7 +2122,7 @@
           <p:nvPr/>
         </p:nvPicPr>
         <p:blipFill>
-          <a:blip r:embed="rId3" cstate="print"/>
+          <a:blip r:embed="rId1" cstate="print"/>
           <a:stretch>
             <a:fillRect/>
           </a:stretch>
@@ -2267,8 +2171,8 @@
                 <a:solidFill>
                   <a:srgbClr val="FFFFFF"/>
                 </a:solidFill>
-                <a:latin typeface="Verdana"/>
-                <a:cs typeface="Verdana"/>
+                <a:latin typeface="Verdana" panose="020B0604030504040204"/>
+                <a:cs typeface="Verdana" panose="020B0604030504040204"/>
               </a:rPr>
               <a:t>Spring</a:t>
             </a:r>
@@ -2277,8 +2181,8 @@
                 <a:solidFill>
                   <a:srgbClr val="FFFFFF"/>
                 </a:solidFill>
-                <a:latin typeface="Verdana"/>
-                <a:cs typeface="Verdana"/>
+                <a:latin typeface="Verdana" panose="020B0604030504040204"/>
+                <a:cs typeface="Verdana" panose="020B0604030504040204"/>
               </a:rPr>
               <a:t> </a:t>
             </a:r>
@@ -2287,14 +2191,14 @@
                 <a:solidFill>
                   <a:srgbClr val="FFFFFF"/>
                 </a:solidFill>
-                <a:latin typeface="Verdana"/>
-                <a:cs typeface="Verdana"/>
+                <a:latin typeface="Verdana" panose="020B0604030504040204"/>
+                <a:cs typeface="Verdana" panose="020B0604030504040204"/>
               </a:rPr>
               <a:t>Cloud</a:t>
             </a:r>
             <a:endParaRPr sz="2800">
-              <a:latin typeface="Verdana"/>
-              <a:cs typeface="Verdana"/>
+              <a:latin typeface="Verdana" panose="020B0604030504040204"/>
+              <a:cs typeface="Verdana" panose="020B0604030504040204"/>
             </a:endParaRPr>
           </a:p>
         </p:txBody>
@@ -2306,7 +2210,7 @@
           <p:nvPr/>
         </p:nvPicPr>
         <p:blipFill>
-          <a:blip r:embed="rId4" cstate="print"/>
+          <a:blip r:embed="rId2" cstate="print"/>
           <a:stretch>
             <a:fillRect/>
           </a:stretch>
@@ -2355,8 +2259,8 @@
                 <a:solidFill>
                   <a:srgbClr val="FFFFFF"/>
                 </a:solidFill>
-                <a:latin typeface="Verdana"/>
-                <a:cs typeface="Verdana"/>
+                <a:latin typeface="Verdana" panose="020B0604030504040204"/>
+                <a:cs typeface="Verdana" panose="020B0604030504040204"/>
               </a:rPr>
               <a:t>Spring</a:t>
             </a:r>
@@ -2365,8 +2269,8 @@
                 <a:solidFill>
                   <a:srgbClr val="FFFFFF"/>
                 </a:solidFill>
-                <a:latin typeface="Verdana"/>
-                <a:cs typeface="Verdana"/>
+                <a:latin typeface="Verdana" panose="020B0604030504040204"/>
+                <a:cs typeface="Verdana" panose="020B0604030504040204"/>
               </a:rPr>
               <a:t> </a:t>
             </a:r>
@@ -2375,8 +2279,8 @@
                 <a:solidFill>
                   <a:srgbClr val="FFFFFF"/>
                 </a:solidFill>
-                <a:latin typeface="Verdana"/>
-                <a:cs typeface="Verdana"/>
+                <a:latin typeface="Verdana" panose="020B0604030504040204"/>
+                <a:cs typeface="Verdana" panose="020B0604030504040204"/>
               </a:rPr>
               <a:t>Cloud </a:t>
             </a:r>
@@ -2385,8 +2289,8 @@
                 <a:solidFill>
                   <a:srgbClr val="FFFFFF"/>
                 </a:solidFill>
-                <a:latin typeface="Verdana"/>
-                <a:cs typeface="Verdana"/>
+                <a:latin typeface="Verdana" panose="020B0604030504040204"/>
+                <a:cs typeface="Verdana" panose="020B0604030504040204"/>
               </a:rPr>
               <a:t> </a:t>
             </a:r>
@@ -2395,14 +2299,14 @@
                 <a:solidFill>
                   <a:srgbClr val="FFFFFF"/>
                 </a:solidFill>
-                <a:latin typeface="Verdana"/>
-                <a:cs typeface="Verdana"/>
+                <a:latin typeface="Verdana" panose="020B0604030504040204"/>
+                <a:cs typeface="Verdana" panose="020B0604030504040204"/>
               </a:rPr>
               <a:t>Netflix</a:t>
             </a:r>
             <a:endParaRPr sz="1600">
-              <a:latin typeface="Verdana"/>
-              <a:cs typeface="Verdana"/>
+              <a:latin typeface="Verdana" panose="020B0604030504040204"/>
+              <a:cs typeface="Verdana" panose="020B0604030504040204"/>
             </a:endParaRPr>
           </a:p>
         </p:txBody>
@@ -2459,9 +2363,7 @@
           <p:txBody>
             <a:bodyPr wrap="square" lIns="0" tIns="0" rIns="0" bIns="0" rtlCol="0"/>
             <a:lstStyle/>
-            <a:p>
-              <a:endParaRPr/>
-            </a:p>
+            <a:p/>
           </p:txBody>
         </p:sp>
         <p:sp>
@@ -2506,9 +2408,7 @@
           <p:txBody>
             <a:bodyPr wrap="square" lIns="0" tIns="0" rIns="0" bIns="0" rtlCol="0"/>
             <a:lstStyle/>
-            <a:p>
-              <a:endParaRPr/>
-            </a:p>
+            <a:p/>
           </p:txBody>
         </p:sp>
         <p:pic>
@@ -2518,7 +2418,7 @@
             <p:nvPr/>
           </p:nvPicPr>
           <p:blipFill>
-            <a:blip r:embed="rId4" cstate="print"/>
+            <a:blip r:embed="rId2" cstate="print"/>
             <a:stretch>
               <a:fillRect/>
             </a:stretch>
@@ -2583,6 +2483,7 @@
               <a:rPr spc="30" dirty="0"/>
               <a:t>Config</a:t>
             </a:r>
+            <a:endParaRPr spc="30" dirty="0"/>
           </a:p>
         </p:txBody>
       </p:sp>
@@ -2638,9 +2539,7 @@
           <p:txBody>
             <a:bodyPr wrap="square" lIns="0" tIns="0" rIns="0" bIns="0" rtlCol="0"/>
             <a:lstStyle/>
-            <a:p>
-              <a:endParaRPr/>
-            </a:p>
+            <a:p/>
           </p:txBody>
         </p:sp>
         <p:sp>
@@ -2685,9 +2584,7 @@
           <p:txBody>
             <a:bodyPr wrap="square" lIns="0" tIns="0" rIns="0" bIns="0" rtlCol="0"/>
             <a:lstStyle/>
-            <a:p>
-              <a:endParaRPr/>
-            </a:p>
+            <a:p/>
           </p:txBody>
         </p:sp>
       </p:grpSp>
@@ -2708,8 +2605,6 @@
           <a:p>
             <a:fld id="{B6F15528-21DE-4FAA-801E-634DDDAF4B2B}" type="slidenum">
               <a:rPr lang="en-US" smtClean="0"/>
-              <a:pPr/>
-              <a:t>10</a:t>
             </a:fld>
             <a:endParaRPr lang="en-US"/>
           </a:p>
@@ -2785,33 +2680,9 @@
         <p:txBody>
           <a:bodyPr wrap="square" lIns="0" tIns="0" rIns="0" bIns="0" rtlCol="0"/>
           <a:lstStyle/>
-          <a:p>
-            <a:endParaRPr/>
-          </a:p>
+          <a:p/>
         </p:txBody>
       </p:sp>
-      <p:pic>
-        <p:nvPicPr>
-          <p:cNvPr id="3" name="object 3"/>
-          <p:cNvPicPr/>
-          <p:nvPr/>
-        </p:nvPicPr>
-        <p:blipFill>
-          <a:blip r:embed="rId2" cstate="print"/>
-          <a:stretch>
-            <a:fillRect/>
-          </a:stretch>
-        </p:blipFill>
-        <p:spPr>
-          <a:xfrm>
-            <a:off x="11495531" y="6184391"/>
-            <a:ext cx="451103" cy="449579"/>
-          </a:xfrm>
-          <a:prstGeom prst="rect">
-            <a:avLst/>
-          </a:prstGeom>
-        </p:spPr>
-      </p:pic>
       <p:sp>
         <p:nvSpPr>
           <p:cNvPr id="4" name="object 4"/>
@@ -2849,9 +2720,7 @@
         <p:txBody>
           <a:bodyPr wrap="square" lIns="0" tIns="0" rIns="0" bIns="0" rtlCol="0"/>
           <a:lstStyle/>
-          <a:p>
-            <a:endParaRPr/>
-          </a:p>
+          <a:p/>
         </p:txBody>
       </p:sp>
       <p:sp>
@@ -2888,8 +2757,8 @@
                 <a:solidFill>
                   <a:srgbClr val="F05A28"/>
                 </a:solidFill>
-                <a:latin typeface="Verdana"/>
-                <a:cs typeface="Verdana"/>
+                <a:latin typeface="Verdana" panose="020B0604030504040204"/>
+                <a:cs typeface="Verdana" panose="020B0604030504040204"/>
               </a:rPr>
               <a:t>Service</a:t>
             </a:r>
@@ -2898,8 +2767,8 @@
                 <a:solidFill>
                   <a:srgbClr val="F05A28"/>
                 </a:solidFill>
-                <a:latin typeface="Verdana"/>
-                <a:cs typeface="Verdana"/>
+                <a:latin typeface="Verdana" panose="020B0604030504040204"/>
+                <a:cs typeface="Verdana" panose="020B0604030504040204"/>
               </a:rPr>
               <a:t> </a:t>
             </a:r>
@@ -2908,14 +2777,14 @@
                 <a:solidFill>
                   <a:srgbClr val="F05A28"/>
                 </a:solidFill>
-                <a:latin typeface="Verdana"/>
-                <a:cs typeface="Verdana"/>
+                <a:latin typeface="Verdana" panose="020B0604030504040204"/>
+                <a:cs typeface="Verdana" panose="020B0604030504040204"/>
               </a:rPr>
               <a:t>Discovery</a:t>
             </a:r>
             <a:endParaRPr sz="2400">
-              <a:latin typeface="Verdana"/>
-              <a:cs typeface="Verdana"/>
+              <a:latin typeface="Verdana" panose="020B0604030504040204"/>
+              <a:cs typeface="Verdana" panose="020B0604030504040204"/>
             </a:endParaRPr>
           </a:p>
           <a:p>
@@ -2932,8 +2801,8 @@
                 <a:solidFill>
                   <a:srgbClr val="F05A28"/>
                 </a:solidFill>
-                <a:latin typeface="Verdana"/>
-                <a:cs typeface="Verdana"/>
+                <a:latin typeface="Verdana" panose="020B0604030504040204"/>
+                <a:cs typeface="Verdana" panose="020B0604030504040204"/>
               </a:rPr>
               <a:t>Distributed  </a:t>
             </a:r>
@@ -2942,20 +2811,20 @@
                 <a:solidFill>
                   <a:srgbClr val="F05A28"/>
                 </a:solidFill>
-                <a:latin typeface="Verdana"/>
-                <a:cs typeface="Verdana"/>
+                <a:latin typeface="Verdana" panose="020B0604030504040204"/>
+                <a:cs typeface="Verdana" panose="020B0604030504040204"/>
               </a:rPr>
               <a:t>Configuration</a:t>
             </a:r>
             <a:endParaRPr sz="2400">
-              <a:latin typeface="Verdana"/>
-              <a:cs typeface="Verdana"/>
+              <a:latin typeface="Verdana" panose="020B0604030504040204"/>
+              <a:cs typeface="Verdana" panose="020B0604030504040204"/>
             </a:endParaRPr>
           </a:p>
           <a:p>
             <a:pPr marL="360045" marR="24130" indent="-347980" algn="r">
               <a:lnSpc>
-                <a:spcPct val="162500"/>
+                <a:spcPct val="163000"/>
               </a:lnSpc>
             </a:pPr>
             <a:r>
@@ -2963,8 +2832,8 @@
                 <a:solidFill>
                   <a:srgbClr val="F05A28"/>
                 </a:solidFill>
-                <a:latin typeface="Verdana"/>
-                <a:cs typeface="Verdana"/>
+                <a:latin typeface="Verdana" panose="020B0604030504040204"/>
+                <a:cs typeface="Verdana" panose="020B0604030504040204"/>
               </a:rPr>
               <a:t>Intelligent</a:t>
             </a:r>
@@ -2973,8 +2842,8 @@
                 <a:solidFill>
                   <a:srgbClr val="F05A28"/>
                 </a:solidFill>
-                <a:latin typeface="Verdana"/>
-                <a:cs typeface="Verdana"/>
+                <a:latin typeface="Verdana" panose="020B0604030504040204"/>
+                <a:cs typeface="Verdana" panose="020B0604030504040204"/>
               </a:rPr>
               <a:t> </a:t>
             </a:r>
@@ -2983,8 +2852,8 @@
                 <a:solidFill>
                   <a:srgbClr val="F05A28"/>
                 </a:solidFill>
-                <a:latin typeface="Verdana"/>
-                <a:cs typeface="Verdana"/>
+                <a:latin typeface="Verdana" panose="020B0604030504040204"/>
+                <a:cs typeface="Verdana" panose="020B0604030504040204"/>
               </a:rPr>
               <a:t>Routing </a:t>
             </a:r>
@@ -2993,8 +2862,8 @@
                 <a:solidFill>
                   <a:srgbClr val="F05A28"/>
                 </a:solidFill>
-                <a:latin typeface="Verdana"/>
-                <a:cs typeface="Verdana"/>
+                <a:latin typeface="Verdana" panose="020B0604030504040204"/>
+                <a:cs typeface="Verdana" panose="020B0604030504040204"/>
               </a:rPr>
               <a:t> </a:t>
             </a:r>
@@ -3003,8 +2872,8 @@
                 <a:solidFill>
                   <a:srgbClr val="F05A28"/>
                 </a:solidFill>
-                <a:latin typeface="Verdana"/>
-                <a:cs typeface="Verdana"/>
+                <a:latin typeface="Verdana" panose="020B0604030504040204"/>
+                <a:cs typeface="Verdana" panose="020B0604030504040204"/>
               </a:rPr>
               <a:t>Client-side</a:t>
             </a:r>
@@ -3013,8 +2882,8 @@
                 <a:solidFill>
                   <a:srgbClr val="F05A28"/>
                 </a:solidFill>
-                <a:latin typeface="Verdana"/>
-                <a:cs typeface="Verdana"/>
+                <a:latin typeface="Verdana" panose="020B0604030504040204"/>
+                <a:cs typeface="Verdana" panose="020B0604030504040204"/>
               </a:rPr>
               <a:t> </a:t>
             </a:r>
@@ -3023,14 +2892,14 @@
                 <a:solidFill>
                   <a:srgbClr val="F05A28"/>
                 </a:solidFill>
-                <a:latin typeface="Verdana"/>
-                <a:cs typeface="Verdana"/>
+                <a:latin typeface="Verdana" panose="020B0604030504040204"/>
+                <a:cs typeface="Verdana" panose="020B0604030504040204"/>
               </a:rPr>
               <a:t>Load</a:t>
             </a:r>
             <a:endParaRPr sz="2400">
-              <a:latin typeface="Verdana"/>
-              <a:cs typeface="Verdana"/>
+              <a:latin typeface="Verdana" panose="020B0604030504040204"/>
+              <a:cs typeface="Verdana" panose="020B0604030504040204"/>
             </a:endParaRPr>
           </a:p>
           <a:p>
@@ -3044,14 +2913,14 @@
                 <a:solidFill>
                   <a:srgbClr val="F05A28"/>
                 </a:solidFill>
-                <a:latin typeface="Verdana"/>
-                <a:cs typeface="Verdana"/>
+                <a:latin typeface="Verdana" panose="020B0604030504040204"/>
+                <a:cs typeface="Verdana" panose="020B0604030504040204"/>
               </a:rPr>
               <a:t>Balancing</a:t>
             </a:r>
             <a:endParaRPr sz="2400">
-              <a:latin typeface="Verdana"/>
-              <a:cs typeface="Verdana"/>
+              <a:latin typeface="Verdana" panose="020B0604030504040204"/>
+              <a:cs typeface="Verdana" panose="020B0604030504040204"/>
             </a:endParaRPr>
           </a:p>
           <a:p>
@@ -3068,8 +2937,8 @@
                 <a:solidFill>
                   <a:srgbClr val="F05A28"/>
                 </a:solidFill>
-                <a:latin typeface="Verdana"/>
-                <a:cs typeface="Verdana"/>
+                <a:latin typeface="Verdana" panose="020B0604030504040204"/>
+                <a:cs typeface="Verdana" panose="020B0604030504040204"/>
               </a:rPr>
               <a:t>Circuit</a:t>
             </a:r>
@@ -3078,8 +2947,8 @@
                 <a:solidFill>
                   <a:srgbClr val="F05A28"/>
                 </a:solidFill>
-                <a:latin typeface="Verdana"/>
-                <a:cs typeface="Verdana"/>
+                <a:latin typeface="Verdana" panose="020B0604030504040204"/>
+                <a:cs typeface="Verdana" panose="020B0604030504040204"/>
               </a:rPr>
               <a:t> </a:t>
             </a:r>
@@ -3088,14 +2957,14 @@
                 <a:solidFill>
                   <a:srgbClr val="F05A28"/>
                 </a:solidFill>
-                <a:latin typeface="Verdana"/>
-                <a:cs typeface="Verdana"/>
+                <a:latin typeface="Verdana" panose="020B0604030504040204"/>
+                <a:cs typeface="Verdana" panose="020B0604030504040204"/>
               </a:rPr>
               <a:t>Breaker</a:t>
             </a:r>
             <a:endParaRPr sz="2400">
-              <a:latin typeface="Verdana"/>
-              <a:cs typeface="Verdana"/>
+              <a:latin typeface="Verdana" panose="020B0604030504040204"/>
+              <a:cs typeface="Verdana" panose="020B0604030504040204"/>
             </a:endParaRPr>
           </a:p>
         </p:txBody>
@@ -3107,7 +2976,7 @@
           <p:nvPr/>
         </p:nvPicPr>
         <p:blipFill>
-          <a:blip r:embed="rId3" cstate="print"/>
+          <a:blip r:embed="rId1" cstate="print"/>
           <a:stretch>
             <a:fillRect/>
           </a:stretch>
@@ -3139,8 +3008,6 @@
           <a:p>
             <a:fld id="{B6F15528-21DE-4FAA-801E-634DDDAF4B2B}" type="slidenum">
               <a:rPr lang="en-US" smtClean="0"/>
-              <a:pPr/>
-              <a:t>11</a:t>
             </a:fld>
             <a:endParaRPr lang="en-US"/>
           </a:p>
@@ -3178,7 +3045,7 @@
           <p:nvPr/>
         </p:nvPicPr>
         <p:blipFill>
-          <a:blip r:embed="rId2" cstate="print"/>
+          <a:blip r:embed="rId1" cstate="print"/>
           <a:stretch>
             <a:fillRect/>
           </a:stretch>
@@ -3335,8 +3202,6 @@
           <a:p>
             <a:fld id="{B6F15528-21DE-4FAA-801E-634DDDAF4B2B}" type="slidenum">
               <a:rPr lang="en-US" smtClean="0"/>
-              <a:pPr/>
-              <a:t>12</a:t>
             </a:fld>
             <a:endParaRPr lang="en-US"/>
           </a:p>
@@ -3404,9 +3269,7 @@
         <p:txBody>
           <a:bodyPr wrap="square" lIns="0" tIns="0" rIns="0" bIns="0" rtlCol="0"/>
           <a:lstStyle/>
-          <a:p>
-            <a:endParaRPr/>
-          </a:p>
+          <a:p/>
         </p:txBody>
       </p:sp>
       <p:sp>
@@ -3443,8 +3306,8 @@
                 <a:solidFill>
                   <a:srgbClr val="F05A28"/>
                 </a:solidFill>
-                <a:latin typeface="Verdana"/>
-                <a:cs typeface="Verdana"/>
+                <a:latin typeface="Verdana" panose="020B0604030504040204"/>
+                <a:cs typeface="Verdana" panose="020B0604030504040204"/>
               </a:rPr>
               <a:t>Jav</a:t>
             </a:r>
@@ -3453,8 +3316,8 @@
                 <a:solidFill>
                   <a:srgbClr val="F05A28"/>
                 </a:solidFill>
-                <a:latin typeface="Verdana"/>
-                <a:cs typeface="Verdana"/>
+                <a:latin typeface="Verdana" panose="020B0604030504040204"/>
+                <a:cs typeface="Verdana" panose="020B0604030504040204"/>
               </a:rPr>
               <a:t>a</a:t>
             </a:r>
@@ -3463,8 +3326,8 @@
                 <a:solidFill>
                   <a:srgbClr val="F05A28"/>
                 </a:solidFill>
-                <a:latin typeface="Verdana"/>
-                <a:cs typeface="Verdana"/>
+                <a:latin typeface="Verdana" panose="020B0604030504040204"/>
+                <a:cs typeface="Verdana" panose="020B0604030504040204"/>
               </a:rPr>
               <a:t> </a:t>
             </a:r>
@@ -3473,14 +3336,14 @@
                 <a:solidFill>
                   <a:srgbClr val="F05A28"/>
                 </a:solidFill>
-                <a:latin typeface="Verdana"/>
-                <a:cs typeface="Verdana"/>
+                <a:latin typeface="Verdana" panose="020B0604030504040204"/>
+                <a:cs typeface="Verdana" panose="020B0604030504040204"/>
               </a:rPr>
               <a:t>8</a:t>
             </a:r>
             <a:endParaRPr sz="2400">
-              <a:latin typeface="Verdana"/>
-              <a:cs typeface="Verdana"/>
+              <a:latin typeface="Verdana" panose="020B0604030504040204"/>
+              <a:cs typeface="Verdana" panose="020B0604030504040204"/>
             </a:endParaRPr>
           </a:p>
           <a:p>
@@ -3497,8 +3360,8 @@
                 <a:solidFill>
                   <a:srgbClr val="F05A28"/>
                 </a:solidFill>
-                <a:latin typeface="Verdana"/>
-                <a:cs typeface="Verdana"/>
+                <a:latin typeface="Verdana" panose="020B0604030504040204"/>
+                <a:cs typeface="Verdana" panose="020B0604030504040204"/>
               </a:rPr>
               <a:t>Spring</a:t>
             </a:r>
@@ -3507,8 +3370,8 @@
                 <a:solidFill>
                   <a:srgbClr val="F05A28"/>
                 </a:solidFill>
-                <a:latin typeface="Verdana"/>
-                <a:cs typeface="Verdana"/>
+                <a:latin typeface="Verdana" panose="020B0604030504040204"/>
+                <a:cs typeface="Verdana" panose="020B0604030504040204"/>
               </a:rPr>
               <a:t> </a:t>
             </a:r>
@@ -3517,14 +3380,14 @@
                 <a:solidFill>
                   <a:srgbClr val="F05A28"/>
                 </a:solidFill>
-                <a:latin typeface="Verdana"/>
-                <a:cs typeface="Verdana"/>
+                <a:latin typeface="Verdana" panose="020B0604030504040204"/>
+                <a:cs typeface="Verdana" panose="020B0604030504040204"/>
               </a:rPr>
               <a:t>Boot</a:t>
             </a:r>
             <a:endParaRPr sz="2400">
-              <a:latin typeface="Verdana"/>
-              <a:cs typeface="Verdana"/>
+              <a:latin typeface="Verdana" panose="020B0604030504040204"/>
+              <a:cs typeface="Verdana" panose="020B0604030504040204"/>
             </a:endParaRPr>
           </a:p>
         </p:txBody>
@@ -3536,7 +3399,7 @@
           <p:nvPr/>
         </p:nvPicPr>
         <p:blipFill>
-          <a:blip r:embed="rId2" cstate="print"/>
+          <a:blip r:embed="rId1" cstate="print"/>
           <a:stretch>
             <a:fillRect/>
           </a:stretch>
@@ -3585,8 +3448,8 @@
                 <a:solidFill>
                   <a:srgbClr val="3E3E3E"/>
                 </a:solidFill>
-                <a:latin typeface="Verdana"/>
-                <a:cs typeface="Verdana"/>
+                <a:latin typeface="Verdana" panose="020B0604030504040204"/>
+                <a:cs typeface="Verdana" panose="020B0604030504040204"/>
               </a:rPr>
               <a:t>What</a:t>
             </a:r>
@@ -3595,8 +3458,8 @@
                 <a:solidFill>
                   <a:srgbClr val="3E3E3E"/>
                 </a:solidFill>
-                <a:latin typeface="Verdana"/>
-                <a:cs typeface="Verdana"/>
+                <a:latin typeface="Verdana" panose="020B0604030504040204"/>
+                <a:cs typeface="Verdana" panose="020B0604030504040204"/>
               </a:rPr>
               <a:t> </a:t>
             </a:r>
@@ -3605,8 +3468,8 @@
                 <a:solidFill>
                   <a:srgbClr val="3E3E3E"/>
                 </a:solidFill>
-                <a:latin typeface="Verdana"/>
-                <a:cs typeface="Verdana"/>
+                <a:latin typeface="Verdana" panose="020B0604030504040204"/>
+                <a:cs typeface="Verdana" panose="020B0604030504040204"/>
               </a:rPr>
               <a:t>You</a:t>
             </a:r>
@@ -3615,8 +3478,8 @@
                 <a:solidFill>
                   <a:srgbClr val="3E3E3E"/>
                 </a:solidFill>
-                <a:latin typeface="Verdana"/>
-                <a:cs typeface="Verdana"/>
+                <a:latin typeface="Verdana" panose="020B0604030504040204"/>
+                <a:cs typeface="Verdana" panose="020B0604030504040204"/>
               </a:rPr>
               <a:t> </a:t>
             </a:r>
@@ -3625,8 +3488,8 @@
                 <a:solidFill>
                   <a:srgbClr val="3E3E3E"/>
                 </a:solidFill>
-                <a:latin typeface="Verdana"/>
-                <a:cs typeface="Verdana"/>
+                <a:latin typeface="Verdana" panose="020B0604030504040204"/>
+                <a:cs typeface="Verdana" panose="020B0604030504040204"/>
               </a:rPr>
               <a:t>Need</a:t>
             </a:r>
@@ -3635,8 +3498,8 @@
                 <a:solidFill>
                   <a:srgbClr val="3E3E3E"/>
                 </a:solidFill>
-                <a:latin typeface="Verdana"/>
-                <a:cs typeface="Verdana"/>
+                <a:latin typeface="Verdana" panose="020B0604030504040204"/>
+                <a:cs typeface="Verdana" panose="020B0604030504040204"/>
               </a:rPr>
               <a:t> </a:t>
             </a:r>
@@ -3645,8 +3508,8 @@
                 <a:solidFill>
                   <a:srgbClr val="3E3E3E"/>
                 </a:solidFill>
-                <a:latin typeface="Verdana"/>
-                <a:cs typeface="Verdana"/>
+                <a:latin typeface="Verdana" panose="020B0604030504040204"/>
+                <a:cs typeface="Verdana" panose="020B0604030504040204"/>
               </a:rPr>
               <a:t>to</a:t>
             </a:r>
@@ -3655,8 +3518,8 @@
                 <a:solidFill>
                   <a:srgbClr val="3E3E3E"/>
                 </a:solidFill>
-                <a:latin typeface="Verdana"/>
-                <a:cs typeface="Verdana"/>
+                <a:latin typeface="Verdana" panose="020B0604030504040204"/>
+                <a:cs typeface="Verdana" panose="020B0604030504040204"/>
               </a:rPr>
               <a:t> </a:t>
             </a:r>
@@ -3665,8 +3528,8 @@
                 <a:solidFill>
                   <a:srgbClr val="3E3E3E"/>
                 </a:solidFill>
-                <a:latin typeface="Verdana"/>
-                <a:cs typeface="Verdana"/>
+                <a:latin typeface="Verdana" panose="020B0604030504040204"/>
+                <a:cs typeface="Verdana" panose="020B0604030504040204"/>
               </a:rPr>
               <a:t>Know</a:t>
             </a:r>
@@ -3675,8 +3538,8 @@
                 <a:solidFill>
                   <a:srgbClr val="3E3E3E"/>
                 </a:solidFill>
-                <a:latin typeface="Verdana"/>
-                <a:cs typeface="Verdana"/>
+                <a:latin typeface="Verdana" panose="020B0604030504040204"/>
+                <a:cs typeface="Verdana" panose="020B0604030504040204"/>
               </a:rPr>
               <a:t> </a:t>
             </a:r>
@@ -3685,8 +3548,8 @@
                 <a:solidFill>
                   <a:srgbClr val="3E3E3E"/>
                 </a:solidFill>
-                <a:latin typeface="Verdana"/>
-                <a:cs typeface="Verdana"/>
+                <a:latin typeface="Verdana" panose="020B0604030504040204"/>
+                <a:cs typeface="Verdana" panose="020B0604030504040204"/>
               </a:rPr>
               <a:t>Before</a:t>
             </a:r>
@@ -3695,8 +3558,8 @@
                 <a:solidFill>
                   <a:srgbClr val="3E3E3E"/>
                 </a:solidFill>
-                <a:latin typeface="Verdana"/>
-                <a:cs typeface="Verdana"/>
+                <a:latin typeface="Verdana" panose="020B0604030504040204"/>
+                <a:cs typeface="Verdana" panose="020B0604030504040204"/>
               </a:rPr>
               <a:t> </a:t>
             </a:r>
@@ -3705,8 +3568,8 @@
                 <a:solidFill>
                   <a:srgbClr val="3E3E3E"/>
                 </a:solidFill>
-                <a:latin typeface="Verdana"/>
-                <a:cs typeface="Verdana"/>
+                <a:latin typeface="Verdana" panose="020B0604030504040204"/>
+                <a:cs typeface="Verdana" panose="020B0604030504040204"/>
               </a:rPr>
               <a:t>You</a:t>
             </a:r>
@@ -3715,8 +3578,8 @@
                 <a:solidFill>
                   <a:srgbClr val="3E3E3E"/>
                 </a:solidFill>
-                <a:latin typeface="Verdana"/>
-                <a:cs typeface="Verdana"/>
+                <a:latin typeface="Verdana" panose="020B0604030504040204"/>
+                <a:cs typeface="Verdana" panose="020B0604030504040204"/>
               </a:rPr>
               <a:t> </a:t>
             </a:r>
@@ -3725,14 +3588,14 @@
                 <a:solidFill>
                   <a:srgbClr val="3E3E3E"/>
                 </a:solidFill>
-                <a:latin typeface="Verdana"/>
-                <a:cs typeface="Verdana"/>
+                <a:latin typeface="Verdana" panose="020B0604030504040204"/>
+                <a:cs typeface="Verdana" panose="020B0604030504040204"/>
               </a:rPr>
               <a:t>Begin</a:t>
             </a:r>
             <a:endParaRPr sz="3600">
-              <a:latin typeface="Verdana"/>
-              <a:cs typeface="Verdana"/>
+              <a:latin typeface="Verdana" panose="020B0604030504040204"/>
+              <a:cs typeface="Verdana" panose="020B0604030504040204"/>
             </a:endParaRPr>
           </a:p>
         </p:txBody>
@@ -3754,8 +3617,6 @@
           <a:p>
             <a:fld id="{B6F15528-21DE-4FAA-801E-634DDDAF4B2B}" type="slidenum">
               <a:rPr lang="en-US" smtClean="0"/>
-              <a:pPr/>
-              <a:t>13</a:t>
             </a:fld>
             <a:endParaRPr lang="en-US"/>
           </a:p>
@@ -3820,8 +3681,8 @@
                 <a:solidFill>
                   <a:srgbClr val="F05A28"/>
                 </a:solidFill>
-                <a:latin typeface="Verdana"/>
-                <a:cs typeface="Verdana"/>
+                <a:latin typeface="Verdana" panose="020B0604030504040204"/>
+                <a:cs typeface="Verdana" panose="020B0604030504040204"/>
               </a:rPr>
               <a:t>Jav</a:t>
             </a:r>
@@ -3830,8 +3691,8 @@
                 <a:solidFill>
                   <a:srgbClr val="F05A28"/>
                 </a:solidFill>
-                <a:latin typeface="Verdana"/>
-                <a:cs typeface="Verdana"/>
+                <a:latin typeface="Verdana" panose="020B0604030504040204"/>
+                <a:cs typeface="Verdana" panose="020B0604030504040204"/>
               </a:rPr>
               <a:t>a</a:t>
             </a:r>
@@ -3840,8 +3701,8 @@
                 <a:solidFill>
                   <a:srgbClr val="F05A28"/>
                 </a:solidFill>
-                <a:latin typeface="Verdana"/>
-                <a:cs typeface="Verdana"/>
+                <a:latin typeface="Verdana" panose="020B0604030504040204"/>
+                <a:cs typeface="Verdana" panose="020B0604030504040204"/>
               </a:rPr>
               <a:t> </a:t>
             </a:r>
@@ -3850,14 +3711,14 @@
                 <a:solidFill>
                   <a:srgbClr val="F05A28"/>
                 </a:solidFill>
-                <a:latin typeface="Verdana"/>
-                <a:cs typeface="Verdana"/>
+                <a:latin typeface="Verdana" panose="020B0604030504040204"/>
+                <a:cs typeface="Verdana" panose="020B0604030504040204"/>
               </a:rPr>
               <a:t>8+</a:t>
             </a:r>
             <a:endParaRPr sz="2400">
-              <a:latin typeface="Verdana"/>
-              <a:cs typeface="Verdana"/>
+              <a:latin typeface="Verdana" panose="020B0604030504040204"/>
+              <a:cs typeface="Verdana" panose="020B0604030504040204"/>
             </a:endParaRPr>
           </a:p>
           <a:p>
@@ -3874,8 +3735,8 @@
                 <a:solidFill>
                   <a:srgbClr val="F05A28"/>
                 </a:solidFill>
-                <a:latin typeface="Verdana"/>
-                <a:cs typeface="Verdana"/>
+                <a:latin typeface="Verdana" panose="020B0604030504040204"/>
+                <a:cs typeface="Verdana" panose="020B0604030504040204"/>
               </a:rPr>
               <a:t>Spring</a:t>
             </a:r>
@@ -3884,8 +3745,8 @@
                 <a:solidFill>
                   <a:srgbClr val="F05A28"/>
                 </a:solidFill>
-                <a:latin typeface="Verdana"/>
-                <a:cs typeface="Verdana"/>
+                <a:latin typeface="Verdana" panose="020B0604030504040204"/>
+                <a:cs typeface="Verdana" panose="020B0604030504040204"/>
               </a:rPr>
               <a:t> </a:t>
             </a:r>
@@ -3894,8 +3755,8 @@
                 <a:solidFill>
                   <a:srgbClr val="F05A28"/>
                 </a:solidFill>
-                <a:latin typeface="Verdana"/>
-                <a:cs typeface="Verdana"/>
+                <a:latin typeface="Verdana" panose="020B0604030504040204"/>
+                <a:cs typeface="Verdana" panose="020B0604030504040204"/>
               </a:rPr>
               <a:t>Boot</a:t>
             </a:r>
@@ -3904,8 +3765,8 @@
                 <a:solidFill>
                   <a:srgbClr val="F05A28"/>
                 </a:solidFill>
-                <a:latin typeface="Verdana"/>
-                <a:cs typeface="Verdana"/>
+                <a:latin typeface="Verdana" panose="020B0604030504040204"/>
+                <a:cs typeface="Verdana" panose="020B0604030504040204"/>
               </a:rPr>
               <a:t> </a:t>
             </a:r>
@@ -3914,14 +3775,14 @@
                 <a:solidFill>
                   <a:srgbClr val="F05A28"/>
                 </a:solidFill>
-                <a:latin typeface="Verdana"/>
-                <a:cs typeface="Verdana"/>
+                <a:latin typeface="Verdana" panose="020B0604030504040204"/>
+                <a:cs typeface="Verdana" panose="020B0604030504040204"/>
               </a:rPr>
               <a:t>1.4+</a:t>
             </a:r>
             <a:endParaRPr sz="2400">
-              <a:latin typeface="Verdana"/>
-              <a:cs typeface="Verdana"/>
+              <a:latin typeface="Verdana" panose="020B0604030504040204"/>
+              <a:cs typeface="Verdana" panose="020B0604030504040204"/>
             </a:endParaRPr>
           </a:p>
           <a:p>
@@ -3938,8 +3799,8 @@
                 <a:solidFill>
                   <a:srgbClr val="F05A28"/>
                 </a:solidFill>
-                <a:latin typeface="Verdana"/>
-                <a:cs typeface="Verdana"/>
+                <a:latin typeface="Verdana" panose="020B0604030504040204"/>
+                <a:cs typeface="Verdana" panose="020B0604030504040204"/>
               </a:rPr>
               <a:t>Knowledge</a:t>
             </a:r>
@@ -3948,8 +3809,8 @@
                 <a:solidFill>
                   <a:srgbClr val="F05A28"/>
                 </a:solidFill>
-                <a:latin typeface="Verdana"/>
-                <a:cs typeface="Verdana"/>
+                <a:latin typeface="Verdana" panose="020B0604030504040204"/>
+                <a:cs typeface="Verdana" panose="020B0604030504040204"/>
               </a:rPr>
               <a:t> </a:t>
             </a:r>
@@ -3958,8 +3819,8 @@
                 <a:solidFill>
                   <a:srgbClr val="F05A28"/>
                 </a:solidFill>
-                <a:latin typeface="Verdana"/>
-                <a:cs typeface="Verdana"/>
+                <a:latin typeface="Verdana" panose="020B0604030504040204"/>
+                <a:cs typeface="Verdana" panose="020B0604030504040204"/>
               </a:rPr>
               <a:t>of</a:t>
             </a:r>
@@ -3968,8 +3829,8 @@
                 <a:solidFill>
                   <a:srgbClr val="F05A28"/>
                 </a:solidFill>
-                <a:latin typeface="Verdana"/>
-                <a:cs typeface="Verdana"/>
+                <a:latin typeface="Verdana" panose="020B0604030504040204"/>
+                <a:cs typeface="Verdana" panose="020B0604030504040204"/>
               </a:rPr>
               <a:t> </a:t>
             </a:r>
@@ -3978,8 +3839,8 @@
                 <a:solidFill>
                   <a:srgbClr val="F05A28"/>
                 </a:solidFill>
-                <a:latin typeface="Verdana"/>
-                <a:cs typeface="Verdana"/>
+                <a:latin typeface="Verdana" panose="020B0604030504040204"/>
+                <a:cs typeface="Verdana" panose="020B0604030504040204"/>
               </a:rPr>
               <a:t>Microservices</a:t>
             </a:r>
@@ -3988,8 +3849,8 @@
                 <a:solidFill>
                   <a:srgbClr val="F05A28"/>
                 </a:solidFill>
-                <a:latin typeface="Verdana"/>
-                <a:cs typeface="Verdana"/>
+                <a:latin typeface="Verdana" panose="020B0604030504040204"/>
+                <a:cs typeface="Verdana" panose="020B0604030504040204"/>
               </a:rPr>
               <a:t> </a:t>
             </a:r>
@@ -3998,8 +3859,8 @@
                 <a:solidFill>
                   <a:srgbClr val="F05A28"/>
                 </a:solidFill>
-                <a:latin typeface="Verdana"/>
-                <a:cs typeface="Verdana"/>
+                <a:latin typeface="Verdana" panose="020B0604030504040204"/>
+                <a:cs typeface="Verdana" panose="020B0604030504040204"/>
               </a:rPr>
               <a:t>or</a:t>
             </a:r>
@@ -4008,8 +3869,8 @@
                 <a:solidFill>
                   <a:srgbClr val="F05A28"/>
                 </a:solidFill>
-                <a:latin typeface="Verdana"/>
-                <a:cs typeface="Verdana"/>
+                <a:latin typeface="Verdana" panose="020B0604030504040204"/>
+                <a:cs typeface="Verdana" panose="020B0604030504040204"/>
               </a:rPr>
               <a:t> </a:t>
             </a:r>
@@ -4018,14 +3879,14 @@
                 <a:solidFill>
                   <a:srgbClr val="F05A28"/>
                 </a:solidFill>
-                <a:latin typeface="Verdana"/>
-                <a:cs typeface="Verdana"/>
+                <a:latin typeface="Verdana" panose="020B0604030504040204"/>
+                <a:cs typeface="Verdana" panose="020B0604030504040204"/>
               </a:rPr>
               <a:t>SOA</a:t>
             </a:r>
             <a:endParaRPr sz="2400">
-              <a:latin typeface="Verdana"/>
-              <a:cs typeface="Verdana"/>
+              <a:latin typeface="Verdana" panose="020B0604030504040204"/>
+              <a:cs typeface="Verdana" panose="020B0604030504040204"/>
             </a:endParaRPr>
           </a:p>
         </p:txBody>
@@ -4067,9 +3928,7 @@
         <p:txBody>
           <a:bodyPr wrap="square" lIns="0" tIns="0" rIns="0" bIns="0" rtlCol="0"/>
           <a:lstStyle/>
-          <a:p>
-            <a:endParaRPr/>
-          </a:p>
+          <a:p/>
         </p:txBody>
       </p:sp>
       <p:sp>
@@ -4236,7 +4095,7 @@
           <p:nvPr/>
         </p:nvPicPr>
         <p:blipFill>
-          <a:blip r:embed="rId2" cstate="print"/>
+          <a:blip r:embed="rId1" cstate="print"/>
           <a:stretch>
             <a:fillRect/>
           </a:stretch>
@@ -4268,8 +4127,6 @@
           <a:p>
             <a:fld id="{B6F15528-21DE-4FAA-801E-634DDDAF4B2B}" type="slidenum">
               <a:rPr lang="en-US" smtClean="0"/>
-              <a:pPr/>
-              <a:t>14</a:t>
             </a:fld>
             <a:endParaRPr lang="en-US"/>
           </a:p>
@@ -4337,9 +4194,7 @@
         <p:txBody>
           <a:bodyPr wrap="square" lIns="0" tIns="0" rIns="0" bIns="0" rtlCol="0"/>
           <a:lstStyle/>
-          <a:p>
-            <a:endParaRPr/>
-          </a:p>
+          <a:p/>
         </p:txBody>
       </p:sp>
       <p:sp>
@@ -4387,6 +4242,7 @@
               <a:rPr spc="-290" dirty="0"/>
               <a:t>8+</a:t>
             </a:r>
+            <a:endParaRPr spc="-290" dirty="0"/>
           </a:p>
           <a:p>
             <a:pPr marL="3552190">
@@ -4409,6 +4265,7 @@
               <a:rPr spc="-245" dirty="0"/>
               <a:t>3+</a:t>
             </a:r>
+            <a:endParaRPr spc="-245" dirty="0"/>
           </a:p>
           <a:p>
             <a:pPr marL="3552190">
@@ -4463,6 +4320,7 @@
               <a:rPr spc="-185" dirty="0"/>
               <a:t>3.8+</a:t>
             </a:r>
+            <a:endParaRPr spc="-185" dirty="0"/>
           </a:p>
         </p:txBody>
       </p:sp>
@@ -4473,7 +4331,7 @@
           <p:nvPr/>
         </p:nvPicPr>
         <p:blipFill>
-          <a:blip r:embed="rId2" cstate="print"/>
+          <a:blip r:embed="rId1" cstate="print"/>
           <a:stretch>
             <a:fillRect/>
           </a:stretch>
@@ -4646,8 +4504,6 @@
           <a:p>
             <a:fld id="{B6F15528-21DE-4FAA-801E-634DDDAF4B2B}" type="slidenum">
               <a:rPr lang="en-US" smtClean="0"/>
-              <a:pPr/>
-              <a:t>15</a:t>
             </a:fld>
             <a:endParaRPr lang="en-US"/>
           </a:p>
@@ -4712,8 +4568,8 @@
                 <a:solidFill>
                   <a:srgbClr val="3E3E3E"/>
                 </a:solidFill>
-                <a:latin typeface="Verdana"/>
-                <a:cs typeface="Verdana"/>
+                <a:latin typeface="Verdana" panose="020B0604030504040204"/>
+                <a:cs typeface="Verdana" panose="020B0604030504040204"/>
               </a:rPr>
               <a:t>G</a:t>
             </a:r>
@@ -4722,8 +4578,8 @@
                 <a:solidFill>
                   <a:srgbClr val="3E3E3E"/>
                 </a:solidFill>
-                <a:latin typeface="Verdana"/>
-                <a:cs typeface="Verdana"/>
+                <a:latin typeface="Verdana" panose="020B0604030504040204"/>
+                <a:cs typeface="Verdana" panose="020B0604030504040204"/>
               </a:rPr>
               <a:t>am</a:t>
             </a:r>
@@ -4732,8 +4588,8 @@
                 <a:solidFill>
                   <a:srgbClr val="3E3E3E"/>
                 </a:solidFill>
-                <a:latin typeface="Verdana"/>
-                <a:cs typeface="Verdana"/>
+                <a:latin typeface="Verdana" panose="020B0604030504040204"/>
+                <a:cs typeface="Verdana" panose="020B0604030504040204"/>
               </a:rPr>
               <a:t>e</a:t>
             </a:r>
@@ -4742,8 +4598,8 @@
                 <a:solidFill>
                   <a:srgbClr val="3E3E3E"/>
                 </a:solidFill>
-                <a:latin typeface="Verdana"/>
-                <a:cs typeface="Verdana"/>
+                <a:latin typeface="Verdana" panose="020B0604030504040204"/>
+                <a:cs typeface="Verdana" panose="020B0604030504040204"/>
               </a:rPr>
               <a:t> </a:t>
             </a:r>
@@ -4752,8 +4608,8 @@
                 <a:solidFill>
                   <a:srgbClr val="3E3E3E"/>
                 </a:solidFill>
-                <a:latin typeface="Verdana"/>
-                <a:cs typeface="Verdana"/>
+                <a:latin typeface="Verdana" panose="020B0604030504040204"/>
+                <a:cs typeface="Verdana" panose="020B0604030504040204"/>
               </a:rPr>
               <a:t>C</a:t>
             </a:r>
@@ -4762,8 +4618,8 @@
                 <a:solidFill>
                   <a:srgbClr val="3E3E3E"/>
                 </a:solidFill>
-                <a:latin typeface="Verdana"/>
-                <a:cs typeface="Verdana"/>
+                <a:latin typeface="Verdana" panose="020B0604030504040204"/>
+                <a:cs typeface="Verdana" panose="020B0604030504040204"/>
               </a:rPr>
               <a:t>h</a:t>
             </a:r>
@@ -4772,8 +4628,8 @@
                 <a:solidFill>
                   <a:srgbClr val="3E3E3E"/>
                 </a:solidFill>
-                <a:latin typeface="Verdana"/>
-                <a:cs typeface="Verdana"/>
+                <a:latin typeface="Verdana" panose="020B0604030504040204"/>
+                <a:cs typeface="Verdana" panose="020B0604030504040204"/>
               </a:rPr>
               <a:t>a</a:t>
             </a:r>
@@ -4782,8 +4638,8 @@
                 <a:solidFill>
                   <a:srgbClr val="3E3E3E"/>
                 </a:solidFill>
-                <a:latin typeface="Verdana"/>
-                <a:cs typeface="Verdana"/>
+                <a:latin typeface="Verdana" panose="020B0604030504040204"/>
+                <a:cs typeface="Verdana" panose="020B0604030504040204"/>
               </a:rPr>
               <a:t>n</a:t>
             </a:r>
@@ -4792,8 +4648,8 @@
                 <a:solidFill>
                   <a:srgbClr val="3E3E3E"/>
                 </a:solidFill>
-                <a:latin typeface="Verdana"/>
-                <a:cs typeface="Verdana"/>
+                <a:latin typeface="Verdana" panose="020B0604030504040204"/>
+                <a:cs typeface="Verdana" panose="020B0604030504040204"/>
               </a:rPr>
               <a:t>g</a:t>
             </a:r>
@@ -4802,8 +4658,8 @@
                 <a:solidFill>
                   <a:srgbClr val="3E3E3E"/>
                 </a:solidFill>
-                <a:latin typeface="Verdana"/>
-                <a:cs typeface="Verdana"/>
+                <a:latin typeface="Verdana" panose="020B0604030504040204"/>
+                <a:cs typeface="Verdana" panose="020B0604030504040204"/>
               </a:rPr>
               <a:t>e</a:t>
             </a:r>
@@ -4812,14 +4668,14 @@
                 <a:solidFill>
                   <a:srgbClr val="3E3E3E"/>
                 </a:solidFill>
-                <a:latin typeface="Verdana"/>
-                <a:cs typeface="Verdana"/>
+                <a:latin typeface="Verdana" panose="020B0604030504040204"/>
+                <a:cs typeface="Verdana" panose="020B0604030504040204"/>
               </a:rPr>
               <a:t>r!</a:t>
             </a:r>
             <a:endParaRPr sz="2000">
-              <a:latin typeface="Verdana"/>
-              <a:cs typeface="Verdana"/>
+              <a:latin typeface="Verdana" panose="020B0604030504040204"/>
+              <a:cs typeface="Verdana" panose="020B0604030504040204"/>
             </a:endParaRPr>
           </a:p>
         </p:txBody>
@@ -4858,8 +4714,8 @@
                 <a:solidFill>
                   <a:srgbClr val="3E3E3E"/>
                 </a:solidFill>
-                <a:latin typeface="Verdana"/>
-                <a:cs typeface="Verdana"/>
+                <a:latin typeface="Verdana" panose="020B0604030504040204"/>
+                <a:cs typeface="Verdana" panose="020B0604030504040204"/>
               </a:rPr>
               <a:t>The</a:t>
             </a:r>
@@ -4868,8 +4724,8 @@
                 <a:solidFill>
                   <a:srgbClr val="3E3E3E"/>
                 </a:solidFill>
-                <a:latin typeface="Verdana"/>
-                <a:cs typeface="Verdana"/>
+                <a:latin typeface="Verdana" panose="020B0604030504040204"/>
+                <a:cs typeface="Verdana" panose="020B0604030504040204"/>
               </a:rPr>
               <a:t> </a:t>
             </a:r>
@@ -4878,8 +4734,8 @@
                 <a:solidFill>
                   <a:srgbClr val="3E3E3E"/>
                 </a:solidFill>
-                <a:latin typeface="Verdana"/>
-                <a:cs typeface="Verdana"/>
+                <a:latin typeface="Verdana" panose="020B0604030504040204"/>
+                <a:cs typeface="Verdana" panose="020B0604030504040204"/>
               </a:rPr>
               <a:t>magical</a:t>
             </a:r>
@@ -4888,8 +4744,8 @@
                 <a:solidFill>
                   <a:srgbClr val="3E3E3E"/>
                 </a:solidFill>
-                <a:latin typeface="Verdana"/>
-                <a:cs typeface="Verdana"/>
+                <a:latin typeface="Verdana" panose="020B0604030504040204"/>
+                <a:cs typeface="Verdana" panose="020B0604030504040204"/>
               </a:rPr>
               <a:t> </a:t>
             </a:r>
@@ -4898,8 +4754,8 @@
                 <a:solidFill>
                   <a:srgbClr val="3E3E3E"/>
                 </a:solidFill>
-                <a:latin typeface="Verdana"/>
-                <a:cs typeface="Verdana"/>
+                <a:latin typeface="Verdana" panose="020B0604030504040204"/>
+                <a:cs typeface="Verdana" panose="020B0604030504040204"/>
               </a:rPr>
               <a:t>solution</a:t>
             </a:r>
@@ -4908,8 +4764,8 @@
                 <a:solidFill>
                   <a:srgbClr val="3E3E3E"/>
                 </a:solidFill>
-                <a:latin typeface="Verdana"/>
-                <a:cs typeface="Verdana"/>
+                <a:latin typeface="Verdana" panose="020B0604030504040204"/>
+                <a:cs typeface="Verdana" panose="020B0604030504040204"/>
               </a:rPr>
               <a:t> </a:t>
             </a:r>
@@ -4918,8 +4774,8 @@
                 <a:solidFill>
                   <a:srgbClr val="3E3E3E"/>
                 </a:solidFill>
-                <a:latin typeface="Verdana"/>
-                <a:cs typeface="Verdana"/>
+                <a:latin typeface="Verdana" panose="020B0604030504040204"/>
+                <a:cs typeface="Verdana" panose="020B0604030504040204"/>
               </a:rPr>
               <a:t>to</a:t>
             </a:r>
@@ -4928,8 +4784,8 @@
                 <a:solidFill>
                   <a:srgbClr val="3E3E3E"/>
                 </a:solidFill>
-                <a:latin typeface="Verdana"/>
-                <a:cs typeface="Verdana"/>
+                <a:latin typeface="Verdana" panose="020B0604030504040204"/>
+                <a:cs typeface="Verdana" panose="020B0604030504040204"/>
               </a:rPr>
               <a:t> </a:t>
             </a:r>
@@ -4938,14 +4794,14 @@
                 <a:solidFill>
                   <a:srgbClr val="3E3E3E"/>
                 </a:solidFill>
-                <a:latin typeface="Verdana"/>
-                <a:cs typeface="Verdana"/>
+                <a:latin typeface="Verdana" panose="020B0604030504040204"/>
+                <a:cs typeface="Verdana" panose="020B0604030504040204"/>
               </a:rPr>
               <a:t>everything!</a:t>
             </a:r>
             <a:endParaRPr sz="2000">
-              <a:latin typeface="Verdana"/>
-              <a:cs typeface="Verdana"/>
+              <a:latin typeface="Verdana" panose="020B0604030504040204"/>
+              <a:cs typeface="Verdana" panose="020B0604030504040204"/>
             </a:endParaRPr>
           </a:p>
         </p:txBody>
@@ -5154,7 +5010,7 @@
           <p:nvPr/>
         </p:nvPicPr>
         <p:blipFill>
-          <a:blip r:embed="rId2" cstate="print"/>
+          <a:blip r:embed="rId1" cstate="print"/>
           <a:stretch>
             <a:fillRect/>
           </a:stretch>
@@ -5176,7 +5032,7 @@
           <p:nvPr/>
         </p:nvPicPr>
         <p:blipFill>
-          <a:blip r:embed="rId3" cstate="print"/>
+          <a:blip r:embed="rId2" cstate="print"/>
           <a:stretch>
             <a:fillRect/>
           </a:stretch>
@@ -5208,8 +5064,6 @@
           <a:p>
             <a:fld id="{B6F15528-21DE-4FAA-801E-634DDDAF4B2B}" type="slidenum">
               <a:rPr lang="en-US" smtClean="0"/>
-              <a:pPr/>
-              <a:t>2</a:t>
             </a:fld>
             <a:endParaRPr lang="en-US"/>
           </a:p>
@@ -5240,28 +5094,6 @@
           <a:chExt cx="0" cy="0"/>
         </a:xfrm>
       </p:grpSpPr>
-      <p:pic>
-        <p:nvPicPr>
-          <p:cNvPr id="2" name="object 2"/>
-          <p:cNvPicPr/>
-          <p:nvPr/>
-        </p:nvPicPr>
-        <p:blipFill>
-          <a:blip r:embed="rId2" cstate="print"/>
-          <a:stretch>
-            <a:fillRect/>
-          </a:stretch>
-        </p:blipFill>
-        <p:spPr>
-          <a:xfrm>
-            <a:off x="11495531" y="6184391"/>
-            <a:ext cx="451103" cy="449579"/>
-          </a:xfrm>
-          <a:prstGeom prst="rect">
-            <a:avLst/>
-          </a:prstGeom>
-        </p:spPr>
-      </p:pic>
       <p:sp>
         <p:nvSpPr>
           <p:cNvPr id="3" name="object 3"/>
@@ -5299,9 +5131,7 @@
         <p:txBody>
           <a:bodyPr wrap="square" lIns="0" tIns="0" rIns="0" bIns="0" rtlCol="0"/>
           <a:lstStyle/>
-          <a:p>
-            <a:endParaRPr/>
-          </a:p>
+          <a:p/>
         </p:txBody>
       </p:sp>
       <p:sp>
@@ -5338,8 +5168,8 @@
                 <a:solidFill>
                   <a:srgbClr val="F05A28"/>
                 </a:solidFill>
-                <a:latin typeface="Verdana"/>
-                <a:cs typeface="Verdana"/>
+                <a:latin typeface="Verdana" panose="020B0604030504040204"/>
+                <a:cs typeface="Verdana" panose="020B0604030504040204"/>
               </a:rPr>
               <a:t>Exciting</a:t>
             </a:r>
@@ -5348,8 +5178,8 @@
                 <a:solidFill>
                   <a:srgbClr val="F05A28"/>
                 </a:solidFill>
-                <a:latin typeface="Verdana"/>
-                <a:cs typeface="Verdana"/>
+                <a:latin typeface="Verdana" panose="020B0604030504040204"/>
+                <a:cs typeface="Verdana" panose="020B0604030504040204"/>
               </a:rPr>
               <a:t> </a:t>
             </a:r>
@@ -5358,8 +5188,8 @@
                 <a:solidFill>
                   <a:srgbClr val="F05A28"/>
                 </a:solidFill>
-                <a:latin typeface="Verdana"/>
-                <a:cs typeface="Verdana"/>
+                <a:latin typeface="Verdana" panose="020B0604030504040204"/>
+                <a:cs typeface="Verdana" panose="020B0604030504040204"/>
               </a:rPr>
               <a:t>times</a:t>
             </a:r>
@@ -5368,8 +5198,8 @@
                 <a:solidFill>
                   <a:srgbClr val="F05A28"/>
                 </a:solidFill>
-                <a:latin typeface="Verdana"/>
-                <a:cs typeface="Verdana"/>
+                <a:latin typeface="Verdana" panose="020B0604030504040204"/>
+                <a:cs typeface="Verdana" panose="020B0604030504040204"/>
               </a:rPr>
               <a:t> </a:t>
             </a:r>
@@ -5378,14 +5208,14 @@
                 <a:solidFill>
                   <a:srgbClr val="F05A28"/>
                 </a:solidFill>
-                <a:latin typeface="Verdana"/>
-                <a:cs typeface="Verdana"/>
+                <a:latin typeface="Verdana" panose="020B0604030504040204"/>
+                <a:cs typeface="Verdana" panose="020B0604030504040204"/>
               </a:rPr>
               <a:t>ahead!</a:t>
             </a:r>
             <a:endParaRPr sz="2400">
-              <a:latin typeface="Verdana"/>
-              <a:cs typeface="Verdana"/>
+              <a:latin typeface="Verdana" panose="020B0604030504040204"/>
+              <a:cs typeface="Verdana" panose="020B0604030504040204"/>
             </a:endParaRPr>
           </a:p>
           <a:p>
@@ -5402,8 +5232,8 @@
                 <a:solidFill>
                   <a:srgbClr val="F05A28"/>
                 </a:solidFill>
-                <a:latin typeface="Verdana"/>
-                <a:cs typeface="Verdana"/>
+                <a:latin typeface="Verdana" panose="020B0604030504040204"/>
+                <a:cs typeface="Verdana" panose="020B0604030504040204"/>
               </a:rPr>
               <a:t>Changing</a:t>
             </a:r>
@@ -5412,8 +5242,8 @@
                 <a:solidFill>
                   <a:srgbClr val="F05A28"/>
                 </a:solidFill>
-                <a:latin typeface="Verdana"/>
-                <a:cs typeface="Verdana"/>
+                <a:latin typeface="Verdana" panose="020B0604030504040204"/>
+                <a:cs typeface="Verdana" panose="020B0604030504040204"/>
               </a:rPr>
               <a:t> </a:t>
             </a:r>
@@ -5422,8 +5252,8 @@
                 <a:solidFill>
                   <a:srgbClr val="F05A28"/>
                 </a:solidFill>
-                <a:latin typeface="Verdana"/>
-                <a:cs typeface="Verdana"/>
+                <a:latin typeface="Verdana" panose="020B0604030504040204"/>
+                <a:cs typeface="Verdana" panose="020B0604030504040204"/>
               </a:rPr>
               <a:t>the</a:t>
             </a:r>
@@ -5432,8 +5262,8 @@
                 <a:solidFill>
                   <a:srgbClr val="F05A28"/>
                 </a:solidFill>
-                <a:latin typeface="Verdana"/>
-                <a:cs typeface="Verdana"/>
+                <a:latin typeface="Verdana" panose="020B0604030504040204"/>
+                <a:cs typeface="Verdana" panose="020B0604030504040204"/>
               </a:rPr>
               <a:t> </a:t>
             </a:r>
@@ -5442,8 +5272,8 @@
                 <a:solidFill>
                   <a:srgbClr val="F05A28"/>
                 </a:solidFill>
-                <a:latin typeface="Verdana"/>
-                <a:cs typeface="Verdana"/>
+                <a:latin typeface="Verdana" panose="020B0604030504040204"/>
+                <a:cs typeface="Verdana" panose="020B0604030504040204"/>
               </a:rPr>
               <a:t>way</a:t>
             </a:r>
@@ -5452,8 +5282,8 @@
                 <a:solidFill>
                   <a:srgbClr val="F05A28"/>
                 </a:solidFill>
-                <a:latin typeface="Verdana"/>
-                <a:cs typeface="Verdana"/>
+                <a:latin typeface="Verdana" panose="020B0604030504040204"/>
+                <a:cs typeface="Verdana" panose="020B0604030504040204"/>
               </a:rPr>
               <a:t> </a:t>
             </a:r>
@@ -5462,14 +5292,14 @@
                 <a:solidFill>
                   <a:srgbClr val="F05A28"/>
                 </a:solidFill>
-                <a:latin typeface="Verdana"/>
-                <a:cs typeface="Verdana"/>
+                <a:latin typeface="Verdana" panose="020B0604030504040204"/>
+                <a:cs typeface="Verdana" panose="020B0604030504040204"/>
               </a:rPr>
               <a:t>we</a:t>
             </a:r>
             <a:endParaRPr sz="2400">
-              <a:latin typeface="Verdana"/>
-              <a:cs typeface="Verdana"/>
+              <a:latin typeface="Verdana" panose="020B0604030504040204"/>
+              <a:cs typeface="Verdana" panose="020B0604030504040204"/>
             </a:endParaRPr>
           </a:p>
           <a:p>
@@ -5483,8 +5313,8 @@
                 <a:solidFill>
                   <a:srgbClr val="F05A28"/>
                 </a:solidFill>
-                <a:latin typeface="Verdana"/>
-                <a:cs typeface="Verdana"/>
+                <a:latin typeface="Verdana" panose="020B0604030504040204"/>
+                <a:cs typeface="Verdana" panose="020B0604030504040204"/>
               </a:rPr>
               <a:t>build</a:t>
             </a:r>
@@ -5493,8 +5323,8 @@
                 <a:solidFill>
                   <a:srgbClr val="F05A28"/>
                 </a:solidFill>
-                <a:latin typeface="Verdana"/>
-                <a:cs typeface="Verdana"/>
+                <a:latin typeface="Verdana" panose="020B0604030504040204"/>
+                <a:cs typeface="Verdana" panose="020B0604030504040204"/>
               </a:rPr>
               <a:t> </a:t>
             </a:r>
@@ -5503,18 +5333,18 @@
                 <a:solidFill>
                   <a:srgbClr val="F05A28"/>
                 </a:solidFill>
-                <a:latin typeface="Verdana"/>
-                <a:cs typeface="Verdana"/>
+                <a:latin typeface="Verdana" panose="020B0604030504040204"/>
+                <a:cs typeface="Verdana" panose="020B0604030504040204"/>
               </a:rPr>
               <a:t>software</a:t>
             </a:r>
             <a:endParaRPr sz="2400">
-              <a:latin typeface="Verdana"/>
-              <a:cs typeface="Verdana"/>
+              <a:latin typeface="Verdana" panose="020B0604030504040204"/>
+              <a:cs typeface="Verdana" panose="020B0604030504040204"/>
             </a:endParaRPr>
           </a:p>
           <a:p>
-            <a:pPr marL="1623060" marR="5080" indent="-480059" algn="r">
+            <a:pPr marL="1623060" marR="5080" indent="-480060" algn="r">
               <a:lnSpc>
                 <a:spcPct val="100000"/>
               </a:lnSpc>
@@ -5527,8 +5357,8 @@
                 <a:solidFill>
                   <a:srgbClr val="F05A28"/>
                 </a:solidFill>
-                <a:latin typeface="Verdana"/>
-                <a:cs typeface="Verdana"/>
+                <a:latin typeface="Verdana" panose="020B0604030504040204"/>
+                <a:cs typeface="Verdana" panose="020B0604030504040204"/>
               </a:rPr>
               <a:t>Centralized</a:t>
             </a:r>
@@ -5537,8 +5367,8 @@
                 <a:solidFill>
                   <a:srgbClr val="F05A28"/>
                 </a:solidFill>
-                <a:latin typeface="Verdana"/>
-                <a:cs typeface="Verdana"/>
+                <a:latin typeface="Verdana" panose="020B0604030504040204"/>
+                <a:cs typeface="Verdana" panose="020B0604030504040204"/>
               </a:rPr>
               <a:t> </a:t>
             </a:r>
@@ -5547,8 +5377,8 @@
                 <a:solidFill>
                   <a:srgbClr val="F05A28"/>
                 </a:solidFill>
-                <a:latin typeface="Verdana"/>
-                <a:cs typeface="Verdana"/>
+                <a:latin typeface="Verdana" panose="020B0604030504040204"/>
+                <a:cs typeface="Verdana" panose="020B0604030504040204"/>
               </a:rPr>
               <a:t>to </a:t>
             </a:r>
@@ -5557,8 +5387,8 @@
                 <a:solidFill>
                   <a:srgbClr val="F05A28"/>
                 </a:solidFill>
-                <a:latin typeface="Verdana"/>
-                <a:cs typeface="Verdana"/>
+                <a:latin typeface="Verdana" panose="020B0604030504040204"/>
+                <a:cs typeface="Verdana" panose="020B0604030504040204"/>
               </a:rPr>
               <a:t> </a:t>
             </a:r>
@@ -5567,14 +5397,14 @@
                 <a:solidFill>
                   <a:srgbClr val="F05A28"/>
                 </a:solidFill>
-                <a:latin typeface="Verdana"/>
-                <a:cs typeface="Verdana"/>
+                <a:latin typeface="Verdana" panose="020B0604030504040204"/>
+                <a:cs typeface="Verdana" panose="020B0604030504040204"/>
               </a:rPr>
               <a:t>distributed</a:t>
             </a:r>
             <a:endParaRPr sz="2400">
-              <a:latin typeface="Verdana"/>
-              <a:cs typeface="Verdana"/>
+              <a:latin typeface="Verdana" panose="020B0604030504040204"/>
+              <a:cs typeface="Verdana" panose="020B0604030504040204"/>
             </a:endParaRPr>
           </a:p>
           <a:p>
@@ -5591,8 +5421,8 @@
                 <a:solidFill>
                   <a:srgbClr val="F05A28"/>
                 </a:solidFill>
-                <a:latin typeface="Verdana"/>
-                <a:cs typeface="Verdana"/>
+                <a:latin typeface="Verdana" panose="020B0604030504040204"/>
+                <a:cs typeface="Verdana" panose="020B0604030504040204"/>
               </a:rPr>
               <a:t>Finite</a:t>
             </a:r>
@@ -5601,8 +5431,8 @@
                 <a:solidFill>
                   <a:srgbClr val="F05A28"/>
                 </a:solidFill>
-                <a:latin typeface="Verdana"/>
-                <a:cs typeface="Verdana"/>
+                <a:latin typeface="Verdana" panose="020B0604030504040204"/>
+                <a:cs typeface="Verdana" panose="020B0604030504040204"/>
               </a:rPr>
               <a:t> </a:t>
             </a:r>
@@ -5611,8 +5441,8 @@
                 <a:solidFill>
                   <a:srgbClr val="F05A28"/>
                 </a:solidFill>
-                <a:latin typeface="Verdana"/>
-                <a:cs typeface="Verdana"/>
+                <a:latin typeface="Verdana" panose="020B0604030504040204"/>
+                <a:cs typeface="Verdana" panose="020B0604030504040204"/>
               </a:rPr>
               <a:t>to</a:t>
             </a:r>
@@ -5621,8 +5451,8 @@
                 <a:solidFill>
                   <a:srgbClr val="F05A28"/>
                 </a:solidFill>
-                <a:latin typeface="Verdana"/>
-                <a:cs typeface="Verdana"/>
+                <a:latin typeface="Verdana" panose="020B0604030504040204"/>
+                <a:cs typeface="Verdana" panose="020B0604030504040204"/>
               </a:rPr>
               <a:t> </a:t>
             </a:r>
@@ -5631,14 +5461,14 @@
                 <a:solidFill>
                   <a:srgbClr val="F05A28"/>
                 </a:solidFill>
-                <a:latin typeface="Verdana"/>
-                <a:cs typeface="Verdana"/>
+                <a:latin typeface="Verdana" panose="020B0604030504040204"/>
+                <a:cs typeface="Verdana" panose="020B0604030504040204"/>
               </a:rPr>
               <a:t>infinite</a:t>
             </a:r>
             <a:endParaRPr sz="2400">
-              <a:latin typeface="Verdana"/>
-              <a:cs typeface="Verdana"/>
+              <a:latin typeface="Verdana" panose="020B0604030504040204"/>
+              <a:cs typeface="Verdana" panose="020B0604030504040204"/>
             </a:endParaRPr>
           </a:p>
         </p:txBody>
@@ -5650,7 +5480,7 @@
           <p:nvPr/>
         </p:nvPicPr>
         <p:blipFill>
-          <a:blip r:embed="rId3" cstate="print"/>
+          <a:blip r:embed="rId1" cstate="print"/>
           <a:stretch>
             <a:fillRect/>
           </a:stretch>
@@ -5682,8 +5512,6 @@
           <a:p>
             <a:fld id="{B6F15528-21DE-4FAA-801E-634DDDAF4B2B}" type="slidenum">
               <a:rPr lang="en-US" smtClean="0"/>
-              <a:pPr/>
-              <a:t>3</a:t>
             </a:fld>
             <a:endParaRPr lang="en-US"/>
           </a:p>
@@ -5751,9 +5579,7 @@
         <p:txBody>
           <a:bodyPr wrap="square" lIns="0" tIns="0" rIns="0" bIns="0" rtlCol="0"/>
           <a:lstStyle/>
-          <a:p>
-            <a:endParaRPr/>
-          </a:p>
+          <a:p/>
         </p:txBody>
       </p:sp>
       <p:sp>
@@ -5790,8 +5616,8 @@
                 <a:solidFill>
                   <a:srgbClr val="F05A28"/>
                 </a:solidFill>
-                <a:latin typeface="Verdana"/>
-                <a:cs typeface="Verdana"/>
+                <a:latin typeface="Verdana" panose="020B0604030504040204"/>
+                <a:cs typeface="Verdana" panose="020B0604030504040204"/>
               </a:rPr>
               <a:t>Think</a:t>
             </a:r>
@@ -5800,8 +5626,8 @@
                 <a:solidFill>
                   <a:srgbClr val="F05A28"/>
                 </a:solidFill>
-                <a:latin typeface="Verdana"/>
-                <a:cs typeface="Verdana"/>
+                <a:latin typeface="Verdana" panose="020B0604030504040204"/>
+                <a:cs typeface="Verdana" panose="020B0604030504040204"/>
               </a:rPr>
               <a:t> </a:t>
             </a:r>
@@ -5810,20 +5636,20 @@
                 <a:solidFill>
                   <a:srgbClr val="F05A28"/>
                 </a:solidFill>
-                <a:latin typeface="Verdana"/>
-                <a:cs typeface="Verdana"/>
+                <a:latin typeface="Verdana" panose="020B0604030504040204"/>
+                <a:cs typeface="Verdana" panose="020B0604030504040204"/>
               </a:rPr>
               <a:t>differently</a:t>
             </a:r>
             <a:endParaRPr sz="2400">
-              <a:latin typeface="Verdana"/>
-              <a:cs typeface="Verdana"/>
+              <a:latin typeface="Verdana" panose="020B0604030504040204"/>
+              <a:cs typeface="Verdana" panose="020B0604030504040204"/>
             </a:endParaRPr>
           </a:p>
           <a:p>
-            <a:pPr marL="12700" marR="988694">
+            <a:pPr marL="12700" marR="988695">
               <a:lnSpc>
-                <a:spcPct val="162500"/>
+                <a:spcPct val="163000"/>
               </a:lnSpc>
             </a:pPr>
             <a:r>
@@ -5831,8 +5657,8 @@
                 <a:solidFill>
                   <a:srgbClr val="F05A28"/>
                 </a:solidFill>
-                <a:latin typeface="Verdana"/>
-                <a:cs typeface="Verdana"/>
+                <a:latin typeface="Verdana" panose="020B0604030504040204"/>
+                <a:cs typeface="Verdana" panose="020B0604030504040204"/>
               </a:rPr>
               <a:t>Different</a:t>
             </a:r>
@@ -5841,8 +5667,8 @@
                 <a:solidFill>
                   <a:srgbClr val="F05A28"/>
                 </a:solidFill>
-                <a:latin typeface="Verdana"/>
-                <a:cs typeface="Verdana"/>
+                <a:latin typeface="Verdana" panose="020B0604030504040204"/>
+                <a:cs typeface="Verdana" panose="020B0604030504040204"/>
               </a:rPr>
               <a:t> </a:t>
             </a:r>
@@ -5851,8 +5677,8 @@
                 <a:solidFill>
                   <a:srgbClr val="F05A28"/>
                 </a:solidFill>
-                <a:latin typeface="Verdana"/>
-                <a:cs typeface="Verdana"/>
+                <a:latin typeface="Verdana" panose="020B0604030504040204"/>
+                <a:cs typeface="Verdana" panose="020B0604030504040204"/>
               </a:rPr>
               <a:t>architecture</a:t>
             </a:r>
@@ -5861,8 +5687,8 @@
                 <a:solidFill>
                   <a:srgbClr val="F05A28"/>
                 </a:solidFill>
-                <a:latin typeface="Verdana"/>
-                <a:cs typeface="Verdana"/>
+                <a:latin typeface="Verdana" panose="020B0604030504040204"/>
+                <a:cs typeface="Verdana" panose="020B0604030504040204"/>
               </a:rPr>
               <a:t> </a:t>
             </a:r>
@@ -5871,8 +5697,8 @@
                 <a:solidFill>
                   <a:srgbClr val="F05A28"/>
                 </a:solidFill>
-                <a:latin typeface="Verdana"/>
-                <a:cs typeface="Verdana"/>
+                <a:latin typeface="Verdana" panose="020B0604030504040204"/>
+                <a:cs typeface="Verdana" panose="020B0604030504040204"/>
               </a:rPr>
               <a:t>and</a:t>
             </a:r>
@@ -5881,8 +5707,8 @@
                 <a:solidFill>
                   <a:srgbClr val="F05A28"/>
                 </a:solidFill>
-                <a:latin typeface="Verdana"/>
-                <a:cs typeface="Verdana"/>
+                <a:latin typeface="Verdana" panose="020B0604030504040204"/>
+                <a:cs typeface="Verdana" panose="020B0604030504040204"/>
               </a:rPr>
               <a:t> </a:t>
             </a:r>
@@ -5891,8 +5717,8 @@
                 <a:solidFill>
                   <a:srgbClr val="F05A28"/>
                 </a:solidFill>
-                <a:latin typeface="Verdana"/>
-                <a:cs typeface="Verdana"/>
+                <a:latin typeface="Verdana" panose="020B0604030504040204"/>
+                <a:cs typeface="Verdana" panose="020B0604030504040204"/>
               </a:rPr>
               <a:t>design </a:t>
             </a:r>
@@ -5901,8 +5727,8 @@
                 <a:solidFill>
                   <a:srgbClr val="F05A28"/>
                 </a:solidFill>
-                <a:latin typeface="Verdana"/>
-                <a:cs typeface="Verdana"/>
+                <a:latin typeface="Verdana" panose="020B0604030504040204"/>
+                <a:cs typeface="Verdana" panose="020B0604030504040204"/>
               </a:rPr>
               <a:t> </a:t>
             </a:r>
@@ -5911,8 +5737,8 @@
                 <a:solidFill>
                   <a:srgbClr val="F05A28"/>
                 </a:solidFill>
-                <a:latin typeface="Verdana"/>
-                <a:cs typeface="Verdana"/>
+                <a:latin typeface="Verdana" panose="020B0604030504040204"/>
+                <a:cs typeface="Verdana" panose="020B0604030504040204"/>
               </a:rPr>
               <a:t>The</a:t>
             </a:r>
@@ -5921,8 +5747,8 @@
                 <a:solidFill>
                   <a:srgbClr val="F05A28"/>
                 </a:solidFill>
-                <a:latin typeface="Verdana"/>
-                <a:cs typeface="Verdana"/>
+                <a:latin typeface="Verdana" panose="020B0604030504040204"/>
+                <a:cs typeface="Verdana" panose="020B0604030504040204"/>
               </a:rPr>
               <a:t> </a:t>
             </a:r>
@@ -5931,8 +5757,8 @@
                 <a:solidFill>
                   <a:srgbClr val="F05A28"/>
                 </a:solidFill>
-                <a:latin typeface="Verdana"/>
-                <a:cs typeface="Verdana"/>
+                <a:latin typeface="Verdana" panose="020B0604030504040204"/>
+                <a:cs typeface="Verdana" panose="020B0604030504040204"/>
               </a:rPr>
               <a:t>cloud</a:t>
             </a:r>
@@ -5941,8 +5767,8 @@
                 <a:solidFill>
                   <a:srgbClr val="F05A28"/>
                 </a:solidFill>
-                <a:latin typeface="Verdana"/>
-                <a:cs typeface="Verdana"/>
+                <a:latin typeface="Verdana" panose="020B0604030504040204"/>
+                <a:cs typeface="Verdana" panose="020B0604030504040204"/>
               </a:rPr>
               <a:t> </a:t>
             </a:r>
@@ -5951,8 +5777,8 @@
                 <a:solidFill>
                   <a:srgbClr val="F05A28"/>
                 </a:solidFill>
-                <a:latin typeface="Verdana"/>
-                <a:cs typeface="Verdana"/>
+                <a:latin typeface="Verdana" panose="020B0604030504040204"/>
+                <a:cs typeface="Verdana" panose="020B0604030504040204"/>
               </a:rPr>
               <a:t>is</a:t>
             </a:r>
@@ -5961,8 +5787,8 @@
                 <a:solidFill>
                   <a:srgbClr val="F05A28"/>
                 </a:solidFill>
-                <a:latin typeface="Verdana"/>
-                <a:cs typeface="Verdana"/>
+                <a:latin typeface="Verdana" panose="020B0604030504040204"/>
+                <a:cs typeface="Verdana" panose="020B0604030504040204"/>
               </a:rPr>
               <a:t> </a:t>
             </a:r>
@@ -5971,8 +5797,8 @@
                 <a:solidFill>
                   <a:srgbClr val="F05A28"/>
                 </a:solidFill>
-                <a:latin typeface="Verdana"/>
-                <a:cs typeface="Verdana"/>
+                <a:latin typeface="Verdana" panose="020B0604030504040204"/>
+                <a:cs typeface="Verdana" panose="020B0604030504040204"/>
               </a:rPr>
               <a:t>elastic</a:t>
             </a:r>
@@ -5981,8 +5807,8 @@
                 <a:solidFill>
                   <a:srgbClr val="F05A28"/>
                 </a:solidFill>
-                <a:latin typeface="Verdana"/>
-                <a:cs typeface="Verdana"/>
+                <a:latin typeface="Verdana" panose="020B0604030504040204"/>
+                <a:cs typeface="Verdana" panose="020B0604030504040204"/>
               </a:rPr>
               <a:t> </a:t>
             </a:r>
@@ -5991,8 +5817,8 @@
                 <a:solidFill>
                   <a:srgbClr val="F05A28"/>
                 </a:solidFill>
-                <a:latin typeface="Verdana"/>
-                <a:cs typeface="Verdana"/>
+                <a:latin typeface="Verdana" panose="020B0604030504040204"/>
+                <a:cs typeface="Verdana" panose="020B0604030504040204"/>
               </a:rPr>
               <a:t>&amp;</a:t>
             </a:r>
@@ -6001,8 +5827,8 @@
                 <a:solidFill>
                   <a:srgbClr val="F05A28"/>
                 </a:solidFill>
-                <a:latin typeface="Verdana"/>
-                <a:cs typeface="Verdana"/>
+                <a:latin typeface="Verdana" panose="020B0604030504040204"/>
+                <a:cs typeface="Verdana" panose="020B0604030504040204"/>
               </a:rPr>
               <a:t> </a:t>
             </a:r>
@@ -6011,20 +5837,20 @@
                 <a:solidFill>
                   <a:srgbClr val="F05A28"/>
                 </a:solidFill>
-                <a:latin typeface="Verdana"/>
-                <a:cs typeface="Verdana"/>
+                <a:latin typeface="Verdana" panose="020B0604030504040204"/>
+                <a:cs typeface="Verdana" panose="020B0604030504040204"/>
               </a:rPr>
               <a:t>ephemeral</a:t>
             </a:r>
             <a:endParaRPr sz="2400">
-              <a:latin typeface="Verdana"/>
-              <a:cs typeface="Verdana"/>
+              <a:latin typeface="Verdana" panose="020B0604030504040204"/>
+              <a:cs typeface="Verdana" panose="020B0604030504040204"/>
             </a:endParaRPr>
           </a:p>
           <a:p>
             <a:pPr marL="541020" marR="5080" indent="-528955">
               <a:lnSpc>
-                <a:spcPct val="162500"/>
+                <a:spcPct val="163000"/>
               </a:lnSpc>
             </a:pPr>
             <a:r>
@@ -6032,8 +5858,8 @@
                 <a:solidFill>
                   <a:srgbClr val="F05A28"/>
                 </a:solidFill>
-                <a:latin typeface="Verdana"/>
-                <a:cs typeface="Verdana"/>
+                <a:latin typeface="Verdana" panose="020B0604030504040204"/>
+                <a:cs typeface="Verdana" panose="020B0604030504040204"/>
               </a:rPr>
               <a:t>Resources</a:t>
             </a:r>
@@ -6042,8 +5868,8 @@
                 <a:solidFill>
                   <a:srgbClr val="F05A28"/>
                 </a:solidFill>
-                <a:latin typeface="Verdana"/>
-                <a:cs typeface="Verdana"/>
+                <a:latin typeface="Verdana" panose="020B0604030504040204"/>
+                <a:cs typeface="Verdana" panose="020B0604030504040204"/>
               </a:rPr>
               <a:t> </a:t>
             </a:r>
@@ -6052,8 +5878,8 @@
                 <a:solidFill>
                   <a:srgbClr val="F05A28"/>
                 </a:solidFill>
-                <a:latin typeface="Verdana"/>
-                <a:cs typeface="Verdana"/>
+                <a:latin typeface="Verdana" panose="020B0604030504040204"/>
+                <a:cs typeface="Verdana" panose="020B0604030504040204"/>
               </a:rPr>
               <a:t>like</a:t>
             </a:r>
@@ -6062,8 +5888,8 @@
                 <a:solidFill>
                   <a:srgbClr val="F05A28"/>
                 </a:solidFill>
-                <a:latin typeface="Verdana"/>
-                <a:cs typeface="Verdana"/>
+                <a:latin typeface="Verdana" panose="020B0604030504040204"/>
+                <a:cs typeface="Verdana" panose="020B0604030504040204"/>
               </a:rPr>
               <a:t> </a:t>
             </a:r>
@@ -6072,8 +5898,8 @@
                 <a:solidFill>
                   <a:srgbClr val="F05A28"/>
                 </a:solidFill>
-                <a:latin typeface="Verdana"/>
-                <a:cs typeface="Verdana"/>
+                <a:latin typeface="Verdana" panose="020B0604030504040204"/>
+                <a:cs typeface="Verdana" panose="020B0604030504040204"/>
               </a:rPr>
               <a:t>databases,</a:t>
             </a:r>
@@ -6082,8 +5908,8 @@
                 <a:solidFill>
                   <a:srgbClr val="F05A28"/>
                 </a:solidFill>
-                <a:latin typeface="Verdana"/>
-                <a:cs typeface="Verdana"/>
+                <a:latin typeface="Verdana" panose="020B0604030504040204"/>
+                <a:cs typeface="Verdana" panose="020B0604030504040204"/>
               </a:rPr>
               <a:t> </a:t>
             </a:r>
@@ -6092,8 +5918,8 @@
                 <a:solidFill>
                   <a:srgbClr val="F05A28"/>
                 </a:solidFill>
-                <a:latin typeface="Verdana"/>
-                <a:cs typeface="Verdana"/>
+                <a:latin typeface="Verdana" panose="020B0604030504040204"/>
+                <a:cs typeface="Verdana" panose="020B0604030504040204"/>
               </a:rPr>
               <a:t>servers,</a:t>
             </a:r>
@@ -6102,8 +5928,8 @@
                 <a:solidFill>
                   <a:srgbClr val="F05A28"/>
                 </a:solidFill>
-                <a:latin typeface="Verdana"/>
-                <a:cs typeface="Verdana"/>
+                <a:latin typeface="Verdana" panose="020B0604030504040204"/>
+                <a:cs typeface="Verdana" panose="020B0604030504040204"/>
               </a:rPr>
               <a:t> </a:t>
             </a:r>
@@ -6112,8 +5938,8 @@
                 <a:solidFill>
                   <a:srgbClr val="F05A28"/>
                 </a:solidFill>
-                <a:latin typeface="Verdana"/>
-                <a:cs typeface="Verdana"/>
+                <a:latin typeface="Verdana" panose="020B0604030504040204"/>
+                <a:cs typeface="Verdana" panose="020B0604030504040204"/>
               </a:rPr>
               <a:t>disks </a:t>
             </a:r>
@@ -6122,8 +5948,8 @@
                 <a:solidFill>
                   <a:srgbClr val="F05A28"/>
                 </a:solidFill>
-                <a:latin typeface="Verdana"/>
-                <a:cs typeface="Verdana"/>
+                <a:latin typeface="Verdana" panose="020B0604030504040204"/>
+                <a:cs typeface="Verdana" panose="020B0604030504040204"/>
               </a:rPr>
               <a:t> </a:t>
             </a:r>
@@ -6132,8 +5958,8 @@
                 <a:solidFill>
                   <a:srgbClr val="F05A28"/>
                 </a:solidFill>
-                <a:latin typeface="Verdana"/>
-                <a:cs typeface="Verdana"/>
+                <a:latin typeface="Verdana" panose="020B0604030504040204"/>
+                <a:cs typeface="Verdana" panose="020B0604030504040204"/>
               </a:rPr>
               <a:t>Grow</a:t>
             </a:r>
@@ -6142,8 +5968,8 @@
                 <a:solidFill>
                   <a:srgbClr val="F05A28"/>
                 </a:solidFill>
-                <a:latin typeface="Verdana"/>
-                <a:cs typeface="Verdana"/>
+                <a:latin typeface="Verdana" panose="020B0604030504040204"/>
+                <a:cs typeface="Verdana" panose="020B0604030504040204"/>
               </a:rPr>
               <a:t> </a:t>
             </a:r>
@@ -6152,8 +5978,8 @@
                 <a:solidFill>
                   <a:srgbClr val="F05A28"/>
                 </a:solidFill>
-                <a:latin typeface="Verdana"/>
-                <a:cs typeface="Verdana"/>
+                <a:latin typeface="Verdana" panose="020B0604030504040204"/>
+                <a:cs typeface="Verdana" panose="020B0604030504040204"/>
               </a:rPr>
               <a:t>and</a:t>
             </a:r>
@@ -6162,8 +5988,8 @@
                 <a:solidFill>
                   <a:srgbClr val="F05A28"/>
                 </a:solidFill>
-                <a:latin typeface="Verdana"/>
-                <a:cs typeface="Verdana"/>
+                <a:latin typeface="Verdana" panose="020B0604030504040204"/>
+                <a:cs typeface="Verdana" panose="020B0604030504040204"/>
               </a:rPr>
               <a:t> </a:t>
             </a:r>
@@ -6172,14 +5998,14 @@
                 <a:solidFill>
                   <a:srgbClr val="F05A28"/>
                 </a:solidFill>
-                <a:latin typeface="Verdana"/>
-                <a:cs typeface="Verdana"/>
+                <a:latin typeface="Verdana" panose="020B0604030504040204"/>
+                <a:cs typeface="Verdana" panose="020B0604030504040204"/>
               </a:rPr>
               <a:t>shrink</a:t>
             </a:r>
             <a:endParaRPr sz="2400">
-              <a:latin typeface="Verdana"/>
-              <a:cs typeface="Verdana"/>
+              <a:latin typeface="Verdana" panose="020B0604030504040204"/>
+              <a:cs typeface="Verdana" panose="020B0604030504040204"/>
             </a:endParaRPr>
           </a:p>
           <a:p>
@@ -6196,8 +6022,8 @@
                 <a:solidFill>
                   <a:srgbClr val="F05A28"/>
                 </a:solidFill>
-                <a:latin typeface="Verdana"/>
-                <a:cs typeface="Verdana"/>
+                <a:latin typeface="Verdana" panose="020B0604030504040204"/>
+                <a:cs typeface="Verdana" panose="020B0604030504040204"/>
               </a:rPr>
               <a:t>Appear</a:t>
             </a:r>
@@ -6206,8 +6032,8 @@
                 <a:solidFill>
                   <a:srgbClr val="F05A28"/>
                 </a:solidFill>
-                <a:latin typeface="Verdana"/>
-                <a:cs typeface="Verdana"/>
+                <a:latin typeface="Verdana" panose="020B0604030504040204"/>
+                <a:cs typeface="Verdana" panose="020B0604030504040204"/>
               </a:rPr>
               <a:t> </a:t>
             </a:r>
@@ -6216,8 +6042,8 @@
                 <a:solidFill>
                   <a:srgbClr val="F05A28"/>
                 </a:solidFill>
-                <a:latin typeface="Verdana"/>
-                <a:cs typeface="Verdana"/>
+                <a:latin typeface="Verdana" panose="020B0604030504040204"/>
+                <a:cs typeface="Verdana" panose="020B0604030504040204"/>
               </a:rPr>
               <a:t>and</a:t>
             </a:r>
@@ -6226,8 +6052,8 @@
                 <a:solidFill>
                   <a:srgbClr val="F05A28"/>
                 </a:solidFill>
-                <a:latin typeface="Verdana"/>
-                <a:cs typeface="Verdana"/>
+                <a:latin typeface="Verdana" panose="020B0604030504040204"/>
+                <a:cs typeface="Verdana" panose="020B0604030504040204"/>
               </a:rPr>
               <a:t> </a:t>
             </a:r>
@@ -6236,14 +6062,14 @@
                 <a:solidFill>
                   <a:srgbClr val="F05A28"/>
                 </a:solidFill>
-                <a:latin typeface="Verdana"/>
-                <a:cs typeface="Verdana"/>
+                <a:latin typeface="Verdana" panose="020B0604030504040204"/>
+                <a:cs typeface="Verdana" panose="020B0604030504040204"/>
               </a:rPr>
               <a:t>disappear</a:t>
             </a:r>
             <a:endParaRPr sz="2400">
-              <a:latin typeface="Verdana"/>
-              <a:cs typeface="Verdana"/>
+              <a:latin typeface="Verdana" panose="020B0604030504040204"/>
+              <a:cs typeface="Verdana" panose="020B0604030504040204"/>
             </a:endParaRPr>
           </a:p>
         </p:txBody>
@@ -6255,7 +6081,7 @@
           <p:nvPr/>
         </p:nvPicPr>
         <p:blipFill>
-          <a:blip r:embed="rId2" cstate="print"/>
+          <a:blip r:embed="rId1" cstate="print"/>
           <a:stretch>
             <a:fillRect/>
           </a:stretch>
@@ -6348,8 +6174,6 @@
           <a:p>
             <a:fld id="{B6F15528-21DE-4FAA-801E-634DDDAF4B2B}" type="slidenum">
               <a:rPr lang="en-US" smtClean="0"/>
-              <a:pPr/>
-              <a:t>4</a:t>
             </a:fld>
             <a:endParaRPr lang="en-US"/>
           </a:p>
@@ -6425,33 +6249,9 @@
         <p:txBody>
           <a:bodyPr wrap="square" lIns="0" tIns="0" rIns="0" bIns="0" rtlCol="0"/>
           <a:lstStyle/>
-          <a:p>
-            <a:endParaRPr/>
-          </a:p>
+          <a:p/>
         </p:txBody>
       </p:sp>
-      <p:pic>
-        <p:nvPicPr>
-          <p:cNvPr id="3" name="object 3"/>
-          <p:cNvPicPr/>
-          <p:nvPr/>
-        </p:nvPicPr>
-        <p:blipFill>
-          <a:blip r:embed="rId2" cstate="print"/>
-          <a:stretch>
-            <a:fillRect/>
-          </a:stretch>
-        </p:blipFill>
-        <p:spPr>
-          <a:xfrm>
-            <a:off x="11495531" y="6184391"/>
-            <a:ext cx="451103" cy="449579"/>
-          </a:xfrm>
-          <a:prstGeom prst="rect">
-            <a:avLst/>
-          </a:prstGeom>
-        </p:spPr>
-      </p:pic>
       <p:pic>
         <p:nvPicPr>
           <p:cNvPr id="4" name="object 4"/>
@@ -6459,7 +6259,7 @@
           <p:nvPr/>
         </p:nvPicPr>
         <p:blipFill>
-          <a:blip r:embed="rId3" cstate="print"/>
+          <a:blip r:embed="rId1" cstate="print"/>
           <a:stretch>
             <a:fillRect/>
           </a:stretch>
@@ -6508,8 +6308,8 @@
                 <a:solidFill>
                   <a:srgbClr val="FFFFFF"/>
                 </a:solidFill>
-                <a:latin typeface="Verdana"/>
-                <a:cs typeface="Verdana"/>
+                <a:latin typeface="Verdana" panose="020B0604030504040204"/>
+                <a:cs typeface="Verdana" panose="020B0604030504040204"/>
               </a:rPr>
               <a:t>Existing</a:t>
             </a:r>
@@ -6518,8 +6318,8 @@
                 <a:solidFill>
                   <a:srgbClr val="FFFFFF"/>
                 </a:solidFill>
-                <a:latin typeface="Verdana"/>
-                <a:cs typeface="Verdana"/>
+                <a:latin typeface="Verdana" panose="020B0604030504040204"/>
+                <a:cs typeface="Verdana" panose="020B0604030504040204"/>
               </a:rPr>
               <a:t> </a:t>
             </a:r>
@@ -6528,14 +6328,14 @@
                 <a:solidFill>
                   <a:srgbClr val="FFFFFF"/>
                 </a:solidFill>
-                <a:latin typeface="Verdana"/>
-                <a:cs typeface="Verdana"/>
+                <a:latin typeface="Verdana" panose="020B0604030504040204"/>
+                <a:cs typeface="Verdana" panose="020B0604030504040204"/>
               </a:rPr>
               <a:t>Application</a:t>
             </a:r>
             <a:endParaRPr sz="2000">
-              <a:latin typeface="Verdana"/>
-              <a:cs typeface="Verdana"/>
+              <a:latin typeface="Verdana" panose="020B0604030504040204"/>
+              <a:cs typeface="Verdana" panose="020B0604030504040204"/>
             </a:endParaRPr>
           </a:p>
         </p:txBody>
@@ -6907,9 +6707,7 @@
           <p:txBody>
             <a:bodyPr wrap="square" lIns="0" tIns="0" rIns="0" bIns="0" rtlCol="0"/>
             <a:lstStyle/>
-            <a:p>
-              <a:endParaRPr/>
-            </a:p>
+            <a:p/>
           </p:txBody>
         </p:sp>
         <p:sp>
@@ -6952,9 +6750,7 @@
           <p:txBody>
             <a:bodyPr wrap="square" lIns="0" tIns="0" rIns="0" bIns="0" rtlCol="0"/>
             <a:lstStyle/>
-            <a:p>
-              <a:endParaRPr/>
-            </a:p>
+            <a:p/>
           </p:txBody>
         </p:sp>
         <p:pic>
@@ -6964,7 +6760,7 @@
             <p:nvPr/>
           </p:nvPicPr>
           <p:blipFill>
-            <a:blip r:embed="rId4" cstate="print"/>
+            <a:blip r:embed="rId2" cstate="print"/>
             <a:stretch>
               <a:fillRect/>
             </a:stretch>
@@ -7069,6 +6865,7 @@
               <a:rPr spc="-10" dirty="0"/>
               <a:t>Way</a:t>
             </a:r>
+            <a:endParaRPr spc="-10" dirty="0"/>
           </a:p>
         </p:txBody>
       </p:sp>
@@ -7089,8 +6886,6 @@
           <a:p>
             <a:fld id="{B6F15528-21DE-4FAA-801E-634DDDAF4B2B}" type="slidenum">
               <a:rPr lang="en-US" smtClean="0"/>
-              <a:pPr/>
-              <a:t>5</a:t>
             </a:fld>
             <a:endParaRPr lang="en-US"/>
           </a:p>
@@ -7158,9 +6953,7 @@
         <p:txBody>
           <a:bodyPr wrap="square" lIns="0" tIns="0" rIns="0" bIns="0" rtlCol="0"/>
           <a:lstStyle/>
-          <a:p>
-            <a:endParaRPr/>
-          </a:p>
+          <a:p/>
         </p:txBody>
       </p:sp>
       <p:sp>
@@ -7309,7 +7102,7 @@
             <p:nvPr/>
           </p:nvPicPr>
           <p:blipFill>
-            <a:blip r:embed="rId2" cstate="print"/>
+            <a:blip r:embed="rId1" cstate="print"/>
             <a:stretch>
               <a:fillRect/>
             </a:stretch>
@@ -7331,7 +7124,7 @@
             <p:nvPr/>
           </p:nvPicPr>
           <p:blipFill>
-            <a:blip r:embed="rId3" cstate="print"/>
+            <a:blip r:embed="rId2" cstate="print"/>
             <a:stretch>
               <a:fillRect/>
             </a:stretch>
@@ -7364,8 +7157,6 @@
           <a:p>
             <a:fld id="{B6F15528-21DE-4FAA-801E-634DDDAF4B2B}" type="slidenum">
               <a:rPr lang="en-US" smtClean="0"/>
-              <a:pPr/>
-              <a:t>6</a:t>
             </a:fld>
             <a:endParaRPr lang="en-US"/>
           </a:p>
@@ -7441,33 +7232,9 @@
         <p:txBody>
           <a:bodyPr wrap="square" lIns="0" tIns="0" rIns="0" bIns="0" rtlCol="0"/>
           <a:lstStyle/>
-          <a:p>
-            <a:endParaRPr/>
-          </a:p>
+          <a:p/>
         </p:txBody>
       </p:sp>
-      <p:pic>
-        <p:nvPicPr>
-          <p:cNvPr id="3" name="object 3"/>
-          <p:cNvPicPr/>
-          <p:nvPr/>
-        </p:nvPicPr>
-        <p:blipFill>
-          <a:blip r:embed="rId2" cstate="print"/>
-          <a:stretch>
-            <a:fillRect/>
-          </a:stretch>
-        </p:blipFill>
-        <p:spPr>
-          <a:xfrm>
-            <a:off x="11495531" y="6184391"/>
-            <a:ext cx="451103" cy="449579"/>
-          </a:xfrm>
-          <a:prstGeom prst="rect">
-            <a:avLst/>
-          </a:prstGeom>
-        </p:spPr>
-      </p:pic>
       <p:sp>
         <p:nvSpPr>
           <p:cNvPr id="4" name="object 4"/>
@@ -7495,7 +7262,7 @@
           <a:p>
             <a:pPr marL="12700" marR="5080" algn="ctr">
               <a:lnSpc>
-                <a:spcPct val="85400"/>
+                <a:spcPct val="85000"/>
               </a:lnSpc>
               <a:spcBef>
                 <a:spcPts val="1045"/>
@@ -7646,8 +7413,6 @@
           <a:p>
             <a:fld id="{B6F15528-21DE-4FAA-801E-634DDDAF4B2B}" type="slidenum">
               <a:rPr lang="en-US" smtClean="0"/>
-              <a:pPr/>
-              <a:t>7</a:t>
             </a:fld>
             <a:endParaRPr lang="en-US"/>
           </a:p>
@@ -7712,8 +7477,8 @@
                 <a:solidFill>
                   <a:srgbClr val="3E3E3E"/>
                 </a:solidFill>
-                <a:latin typeface="Verdana"/>
-                <a:cs typeface="Verdana"/>
+                <a:latin typeface="Verdana" panose="020B0604030504040204"/>
+                <a:cs typeface="Verdana" panose="020B0604030504040204"/>
               </a:rPr>
               <a:t>“</a:t>
             </a:r>
@@ -7722,8 +7487,8 @@
                 <a:solidFill>
                   <a:srgbClr val="3E3E3E"/>
                 </a:solidFill>
-                <a:latin typeface="Verdana"/>
-                <a:cs typeface="Verdana"/>
+                <a:latin typeface="Verdana" panose="020B0604030504040204"/>
+                <a:cs typeface="Verdana" panose="020B0604030504040204"/>
               </a:rPr>
               <a:t>…</a:t>
             </a:r>
@@ -7732,8 +7497,8 @@
                 <a:solidFill>
                   <a:srgbClr val="3E3E3E"/>
                 </a:solidFill>
-                <a:latin typeface="Verdana"/>
-                <a:cs typeface="Verdana"/>
+                <a:latin typeface="Verdana" panose="020B0604030504040204"/>
+                <a:cs typeface="Verdana" panose="020B0604030504040204"/>
               </a:rPr>
               <a:t> </a:t>
             </a:r>
@@ -7742,8 +7507,8 @@
                 <a:solidFill>
                   <a:srgbClr val="3E3E3E"/>
                 </a:solidFill>
-                <a:latin typeface="Verdana"/>
-                <a:cs typeface="Verdana"/>
+                <a:latin typeface="Verdana" panose="020B0604030504040204"/>
+                <a:cs typeface="Verdana" panose="020B0604030504040204"/>
               </a:rPr>
               <a:t>a</a:t>
             </a:r>
@@ -7752,8 +7517,8 @@
                 <a:solidFill>
                   <a:srgbClr val="3E3E3E"/>
                 </a:solidFill>
-                <a:latin typeface="Verdana"/>
-                <a:cs typeface="Verdana"/>
+                <a:latin typeface="Verdana" panose="020B0604030504040204"/>
+                <a:cs typeface="Verdana" panose="020B0604030504040204"/>
               </a:rPr>
               <a:t> </a:t>
             </a:r>
@@ -7762,8 +7527,8 @@
                 <a:solidFill>
                   <a:srgbClr val="3E3E3E"/>
                 </a:solidFill>
-                <a:latin typeface="Verdana"/>
-                <a:cs typeface="Verdana"/>
+                <a:latin typeface="Verdana" panose="020B0604030504040204"/>
+                <a:cs typeface="Verdana" panose="020B0604030504040204"/>
               </a:rPr>
               <a:t>s</a:t>
             </a:r>
@@ -7772,8 +7537,8 @@
                 <a:solidFill>
                   <a:srgbClr val="3E3E3E"/>
                 </a:solidFill>
-                <a:latin typeface="Verdana"/>
-                <a:cs typeface="Verdana"/>
+                <a:latin typeface="Verdana" panose="020B0604030504040204"/>
+                <a:cs typeface="Verdana" panose="020B0604030504040204"/>
               </a:rPr>
               <a:t>o</a:t>
             </a:r>
@@ -7782,8 +7547,8 @@
                 <a:solidFill>
                   <a:srgbClr val="3E3E3E"/>
                 </a:solidFill>
-                <a:latin typeface="Verdana"/>
-                <a:cs typeface="Verdana"/>
+                <a:latin typeface="Verdana" panose="020B0604030504040204"/>
+                <a:cs typeface="Verdana" panose="020B0604030504040204"/>
               </a:rPr>
               <a:t>f</a:t>
             </a:r>
@@ -7792,8 +7557,8 @@
                 <a:solidFill>
                   <a:srgbClr val="3E3E3E"/>
                 </a:solidFill>
-                <a:latin typeface="Verdana"/>
-                <a:cs typeface="Verdana"/>
+                <a:latin typeface="Verdana" panose="020B0604030504040204"/>
+                <a:cs typeface="Verdana" panose="020B0604030504040204"/>
               </a:rPr>
               <a:t>t</a:t>
             </a:r>
@@ -7802,8 +7567,8 @@
                 <a:solidFill>
                   <a:srgbClr val="3E3E3E"/>
                 </a:solidFill>
-                <a:latin typeface="Verdana"/>
-                <a:cs typeface="Verdana"/>
+                <a:latin typeface="Verdana" panose="020B0604030504040204"/>
+                <a:cs typeface="Verdana" panose="020B0604030504040204"/>
               </a:rPr>
               <a:t>w</a:t>
             </a:r>
@@ -7812,8 +7577,8 @@
                 <a:solidFill>
                   <a:srgbClr val="3E3E3E"/>
                 </a:solidFill>
-                <a:latin typeface="Verdana"/>
-                <a:cs typeface="Verdana"/>
+                <a:latin typeface="Verdana" panose="020B0604030504040204"/>
+                <a:cs typeface="Verdana" panose="020B0604030504040204"/>
               </a:rPr>
               <a:t>a</a:t>
             </a:r>
@@ -7822,8 +7587,8 @@
                 <a:solidFill>
                   <a:srgbClr val="3E3E3E"/>
                 </a:solidFill>
-                <a:latin typeface="Verdana"/>
-                <a:cs typeface="Verdana"/>
+                <a:latin typeface="Verdana" panose="020B0604030504040204"/>
+                <a:cs typeface="Verdana" panose="020B0604030504040204"/>
               </a:rPr>
               <a:t>r</a:t>
             </a:r>
@@ -7832,8 +7597,8 @@
                 <a:solidFill>
                   <a:srgbClr val="3E3E3E"/>
                 </a:solidFill>
-                <a:latin typeface="Verdana"/>
-                <a:cs typeface="Verdana"/>
+                <a:latin typeface="Verdana" panose="020B0604030504040204"/>
+                <a:cs typeface="Verdana" panose="020B0604030504040204"/>
               </a:rPr>
               <a:t>e</a:t>
             </a:r>
@@ -7842,8 +7607,8 @@
                 <a:solidFill>
                   <a:srgbClr val="3E3E3E"/>
                 </a:solidFill>
-                <a:latin typeface="Verdana"/>
-                <a:cs typeface="Verdana"/>
+                <a:latin typeface="Verdana" panose="020B0604030504040204"/>
+                <a:cs typeface="Verdana" panose="020B0604030504040204"/>
               </a:rPr>
               <a:t> </a:t>
             </a:r>
@@ -7852,8 +7617,8 @@
                 <a:solidFill>
                   <a:srgbClr val="3E3E3E"/>
                 </a:solidFill>
-                <a:latin typeface="Verdana"/>
-                <a:cs typeface="Verdana"/>
+                <a:latin typeface="Verdana" panose="020B0604030504040204"/>
+                <a:cs typeface="Verdana" panose="020B0604030504040204"/>
               </a:rPr>
               <a:t>a</a:t>
             </a:r>
@@ -7862,8 +7627,8 @@
                 <a:solidFill>
                   <a:srgbClr val="3E3E3E"/>
                 </a:solidFill>
-                <a:latin typeface="Verdana"/>
-                <a:cs typeface="Verdana"/>
+                <a:latin typeface="Verdana" panose="020B0604030504040204"/>
+                <a:cs typeface="Verdana" panose="020B0604030504040204"/>
               </a:rPr>
               <a:t>pp</a:t>
             </a:r>
@@ -7872,8 +7637,8 @@
                 <a:solidFill>
                   <a:srgbClr val="3E3E3E"/>
                 </a:solidFill>
-                <a:latin typeface="Verdana"/>
-                <a:cs typeface="Verdana"/>
+                <a:latin typeface="Verdana" panose="020B0604030504040204"/>
+                <a:cs typeface="Verdana" panose="020B0604030504040204"/>
               </a:rPr>
               <a:t>lic</a:t>
             </a:r>
@@ -7882,8 +7647,8 @@
                 <a:solidFill>
                   <a:srgbClr val="3E3E3E"/>
                 </a:solidFill>
-                <a:latin typeface="Verdana"/>
-                <a:cs typeface="Verdana"/>
+                <a:latin typeface="Verdana" panose="020B0604030504040204"/>
+                <a:cs typeface="Verdana" panose="020B0604030504040204"/>
               </a:rPr>
               <a:t>a</a:t>
             </a:r>
@@ -7892,8 +7657,8 @@
                 <a:solidFill>
                   <a:srgbClr val="3E3E3E"/>
                 </a:solidFill>
-                <a:latin typeface="Verdana"/>
-                <a:cs typeface="Verdana"/>
+                <a:latin typeface="Verdana" panose="020B0604030504040204"/>
+                <a:cs typeface="Verdana" panose="020B0604030504040204"/>
               </a:rPr>
               <a:t>ti</a:t>
             </a:r>
@@ -7902,8 +7667,8 @@
                 <a:solidFill>
                   <a:srgbClr val="3E3E3E"/>
                 </a:solidFill>
-                <a:latin typeface="Verdana"/>
-                <a:cs typeface="Verdana"/>
+                <a:latin typeface="Verdana" panose="020B0604030504040204"/>
+                <a:cs typeface="Verdana" panose="020B0604030504040204"/>
               </a:rPr>
               <a:t>o</a:t>
             </a:r>
@@ -7912,8 +7677,8 @@
                 <a:solidFill>
                   <a:srgbClr val="3E3E3E"/>
                 </a:solidFill>
-                <a:latin typeface="Verdana"/>
-                <a:cs typeface="Verdana"/>
+                <a:latin typeface="Verdana" panose="020B0604030504040204"/>
+                <a:cs typeface="Verdana" panose="020B0604030504040204"/>
               </a:rPr>
               <a:t>n</a:t>
             </a:r>
@@ -7922,8 +7687,8 @@
                 <a:solidFill>
                   <a:srgbClr val="3E3E3E"/>
                 </a:solidFill>
-                <a:latin typeface="Verdana"/>
-                <a:cs typeface="Verdana"/>
+                <a:latin typeface="Verdana" panose="020B0604030504040204"/>
+                <a:cs typeface="Verdana" panose="020B0604030504040204"/>
               </a:rPr>
               <a:t> </a:t>
             </a:r>
@@ -7932,8 +7697,8 @@
                 <a:solidFill>
                   <a:srgbClr val="3E3E3E"/>
                 </a:solidFill>
-                <a:latin typeface="Verdana"/>
-                <a:cs typeface="Verdana"/>
+                <a:latin typeface="Verdana" panose="020B0604030504040204"/>
+                <a:cs typeface="Verdana" panose="020B0604030504040204"/>
               </a:rPr>
               <a:t>t</a:t>
             </a:r>
@@ -7942,8 +7707,8 @@
                 <a:solidFill>
                   <a:srgbClr val="3E3E3E"/>
                 </a:solidFill>
-                <a:latin typeface="Verdana"/>
-                <a:cs typeface="Verdana"/>
+                <a:latin typeface="Verdana" panose="020B0604030504040204"/>
+                <a:cs typeface="Verdana" panose="020B0604030504040204"/>
               </a:rPr>
               <a:t>h</a:t>
             </a:r>
@@ -7952,8 +7717,8 @@
                 <a:solidFill>
                   <a:srgbClr val="3E3E3E"/>
                 </a:solidFill>
-                <a:latin typeface="Verdana"/>
-                <a:cs typeface="Verdana"/>
+                <a:latin typeface="Verdana" panose="020B0604030504040204"/>
+                <a:cs typeface="Verdana" panose="020B0604030504040204"/>
               </a:rPr>
               <a:t>a</a:t>
             </a:r>
@@ -7962,8 +7727,8 @@
                 <a:solidFill>
                   <a:srgbClr val="3E3E3E"/>
                 </a:solidFill>
-                <a:latin typeface="Verdana"/>
-                <a:cs typeface="Verdana"/>
+                <a:latin typeface="Verdana" panose="020B0604030504040204"/>
+                <a:cs typeface="Verdana" panose="020B0604030504040204"/>
               </a:rPr>
               <a:t>t</a:t>
             </a:r>
@@ -7972,8 +7737,8 @@
                 <a:solidFill>
                   <a:srgbClr val="3E3E3E"/>
                 </a:solidFill>
-                <a:latin typeface="Verdana"/>
-                <a:cs typeface="Verdana"/>
+                <a:latin typeface="Verdana" panose="020B0604030504040204"/>
+                <a:cs typeface="Verdana" panose="020B0604030504040204"/>
               </a:rPr>
               <a:t> </a:t>
             </a:r>
@@ -7982,8 +7747,8 @@
                 <a:solidFill>
                   <a:srgbClr val="3E3E3E"/>
                 </a:solidFill>
-                <a:latin typeface="Verdana"/>
-                <a:cs typeface="Verdana"/>
+                <a:latin typeface="Verdana" panose="020B0604030504040204"/>
+                <a:cs typeface="Verdana" panose="020B0604030504040204"/>
               </a:rPr>
               <a:t>i</a:t>
             </a:r>
@@ -7992,8 +7757,8 @@
                 <a:solidFill>
                   <a:srgbClr val="3E3E3E"/>
                 </a:solidFill>
-                <a:latin typeface="Verdana"/>
-                <a:cs typeface="Verdana"/>
+                <a:latin typeface="Verdana" panose="020B0604030504040204"/>
+                <a:cs typeface="Verdana" panose="020B0604030504040204"/>
               </a:rPr>
               <a:t>s</a:t>
             </a:r>
@@ -8002,8 +7767,8 @@
                 <a:solidFill>
                   <a:srgbClr val="3E3E3E"/>
                 </a:solidFill>
-                <a:latin typeface="Verdana"/>
-                <a:cs typeface="Verdana"/>
+                <a:latin typeface="Verdana" panose="020B0604030504040204"/>
+                <a:cs typeface="Verdana" panose="020B0604030504040204"/>
               </a:rPr>
               <a:t> </a:t>
             </a:r>
@@ -8012,8 +7777,8 @@
                 <a:solidFill>
                   <a:srgbClr val="3E3E3E"/>
                 </a:solidFill>
-                <a:latin typeface="Verdana"/>
-                <a:cs typeface="Verdana"/>
+                <a:latin typeface="Verdana" panose="020B0604030504040204"/>
+                <a:cs typeface="Verdana" panose="020B0604030504040204"/>
               </a:rPr>
               <a:t>s</a:t>
             </a:r>
@@ -8022,8 +7787,8 @@
                 <a:solidFill>
                   <a:srgbClr val="3E3E3E"/>
                 </a:solidFill>
-                <a:latin typeface="Verdana"/>
-                <a:cs typeface="Verdana"/>
+                <a:latin typeface="Verdana" panose="020B0604030504040204"/>
+                <a:cs typeface="Verdana" panose="020B0604030504040204"/>
               </a:rPr>
               <a:t>p</a:t>
             </a:r>
@@ -8032,8 +7797,8 @@
                 <a:solidFill>
                   <a:srgbClr val="3E3E3E"/>
                 </a:solidFill>
-                <a:latin typeface="Verdana"/>
-                <a:cs typeface="Verdana"/>
+                <a:latin typeface="Verdana" panose="020B0604030504040204"/>
+                <a:cs typeface="Verdana" panose="020B0604030504040204"/>
               </a:rPr>
               <a:t>e</a:t>
             </a:r>
@@ -8042,8 +7807,8 @@
                 <a:solidFill>
                   <a:srgbClr val="3E3E3E"/>
                 </a:solidFill>
-                <a:latin typeface="Verdana"/>
-                <a:cs typeface="Verdana"/>
+                <a:latin typeface="Verdana" panose="020B0604030504040204"/>
+                <a:cs typeface="Verdana" panose="020B0604030504040204"/>
               </a:rPr>
               <a:t>c</a:t>
             </a:r>
@@ -8052,8 +7817,8 @@
                 <a:solidFill>
                   <a:srgbClr val="3E3E3E"/>
                 </a:solidFill>
-                <a:latin typeface="Verdana"/>
-                <a:cs typeface="Verdana"/>
+                <a:latin typeface="Verdana" panose="020B0604030504040204"/>
+                <a:cs typeface="Verdana" panose="020B0604030504040204"/>
               </a:rPr>
               <a:t>i</a:t>
             </a:r>
@@ -8062,8 +7827,8 @@
                 <a:solidFill>
                   <a:srgbClr val="3E3E3E"/>
                 </a:solidFill>
-                <a:latin typeface="Verdana"/>
-                <a:cs typeface="Verdana"/>
+                <a:latin typeface="Verdana" panose="020B0604030504040204"/>
+                <a:cs typeface="Verdana" panose="020B0604030504040204"/>
               </a:rPr>
               <a:t>f</a:t>
             </a:r>
@@ -8072,8 +7837,8 @@
                 <a:solidFill>
                   <a:srgbClr val="3E3E3E"/>
                 </a:solidFill>
-                <a:latin typeface="Verdana"/>
-                <a:cs typeface="Verdana"/>
+                <a:latin typeface="Verdana" panose="020B0604030504040204"/>
+                <a:cs typeface="Verdana" panose="020B0604030504040204"/>
               </a:rPr>
               <a:t>ic</a:t>
             </a:r>
@@ -8082,8 +7847,8 @@
                 <a:solidFill>
                   <a:srgbClr val="3E3E3E"/>
                 </a:solidFill>
-                <a:latin typeface="Verdana"/>
-                <a:cs typeface="Verdana"/>
+                <a:latin typeface="Verdana" panose="020B0604030504040204"/>
+                <a:cs typeface="Verdana" panose="020B0604030504040204"/>
               </a:rPr>
               <a:t>a</a:t>
             </a:r>
@@ -8092,8 +7857,8 @@
                 <a:solidFill>
                   <a:srgbClr val="3E3E3E"/>
                 </a:solidFill>
-                <a:latin typeface="Verdana"/>
-                <a:cs typeface="Verdana"/>
+                <a:latin typeface="Verdana" panose="020B0604030504040204"/>
+                <a:cs typeface="Verdana" panose="020B0604030504040204"/>
               </a:rPr>
               <a:t>ll</a:t>
             </a:r>
@@ -8102,8 +7867,8 @@
                 <a:solidFill>
                   <a:srgbClr val="3E3E3E"/>
                 </a:solidFill>
-                <a:latin typeface="Verdana"/>
-                <a:cs typeface="Verdana"/>
+                <a:latin typeface="Verdana" panose="020B0604030504040204"/>
+                <a:cs typeface="Verdana" panose="020B0604030504040204"/>
               </a:rPr>
               <a:t>y</a:t>
             </a:r>
@@ -8112,8 +7877,8 @@
                 <a:solidFill>
                   <a:srgbClr val="3E3E3E"/>
                 </a:solidFill>
-                <a:latin typeface="Verdana"/>
-                <a:cs typeface="Verdana"/>
+                <a:latin typeface="Verdana" panose="020B0604030504040204"/>
+                <a:cs typeface="Verdana" panose="020B0604030504040204"/>
               </a:rPr>
               <a:t> </a:t>
             </a:r>
@@ -8122,8 +7887,8 @@
                 <a:solidFill>
                   <a:srgbClr val="3E3E3E"/>
                 </a:solidFill>
-                <a:latin typeface="Verdana"/>
-                <a:cs typeface="Verdana"/>
+                <a:latin typeface="Verdana" panose="020B0604030504040204"/>
+                <a:cs typeface="Verdana" panose="020B0604030504040204"/>
               </a:rPr>
               <a:t>b</a:t>
             </a:r>
@@ -8132,8 +7897,8 @@
                 <a:solidFill>
                   <a:srgbClr val="3E3E3E"/>
                 </a:solidFill>
-                <a:latin typeface="Verdana"/>
-                <a:cs typeface="Verdana"/>
+                <a:latin typeface="Verdana" panose="020B0604030504040204"/>
+                <a:cs typeface="Verdana" panose="020B0604030504040204"/>
               </a:rPr>
               <a:t>u</a:t>
             </a:r>
@@ -8142,8 +7907,8 @@
                 <a:solidFill>
                   <a:srgbClr val="3E3E3E"/>
                 </a:solidFill>
-                <a:latin typeface="Verdana"/>
-                <a:cs typeface="Verdana"/>
+                <a:latin typeface="Verdana" panose="020B0604030504040204"/>
+                <a:cs typeface="Verdana" panose="020B0604030504040204"/>
               </a:rPr>
               <a:t>ilt</a:t>
             </a:r>
@@ -8152,8 +7917,8 @@
                 <a:solidFill>
                   <a:srgbClr val="3E3E3E"/>
                 </a:solidFill>
-                <a:latin typeface="Verdana"/>
-                <a:cs typeface="Verdana"/>
+                <a:latin typeface="Verdana" panose="020B0604030504040204"/>
+                <a:cs typeface="Verdana" panose="020B0604030504040204"/>
               </a:rPr>
               <a:t> </a:t>
             </a:r>
@@ -8162,8 +7927,8 @@
                 <a:solidFill>
                   <a:srgbClr val="3E3E3E"/>
                 </a:solidFill>
-                <a:latin typeface="Verdana"/>
-                <a:cs typeface="Verdana"/>
+                <a:latin typeface="Verdana" panose="020B0604030504040204"/>
+                <a:cs typeface="Verdana" panose="020B0604030504040204"/>
               </a:rPr>
               <a:t>f</a:t>
             </a:r>
@@ -8172,8 +7937,8 @@
                 <a:solidFill>
                   <a:srgbClr val="3E3E3E"/>
                 </a:solidFill>
-                <a:latin typeface="Verdana"/>
-                <a:cs typeface="Verdana"/>
+                <a:latin typeface="Verdana" panose="020B0604030504040204"/>
+                <a:cs typeface="Verdana" panose="020B0604030504040204"/>
               </a:rPr>
               <a:t>o</a:t>
             </a:r>
@@ -8182,8 +7947,8 @@
                 <a:solidFill>
                   <a:srgbClr val="3E3E3E"/>
                 </a:solidFill>
-                <a:latin typeface="Verdana"/>
-                <a:cs typeface="Verdana"/>
+                <a:latin typeface="Verdana" panose="020B0604030504040204"/>
+                <a:cs typeface="Verdana" panose="020B0604030504040204"/>
               </a:rPr>
               <a:t>r  </a:t>
             </a:r>
@@ -8192,8 +7957,8 @@
                 <a:solidFill>
                   <a:srgbClr val="3E3E3E"/>
                 </a:solidFill>
-                <a:latin typeface="Verdana"/>
-                <a:cs typeface="Verdana"/>
+                <a:latin typeface="Verdana" panose="020B0604030504040204"/>
+                <a:cs typeface="Verdana" panose="020B0604030504040204"/>
               </a:rPr>
               <a:t>c</a:t>
             </a:r>
@@ -8202,8 +7967,8 @@
                 <a:solidFill>
                   <a:srgbClr val="3E3E3E"/>
                 </a:solidFill>
-                <a:latin typeface="Verdana"/>
-                <a:cs typeface="Verdana"/>
+                <a:latin typeface="Verdana" panose="020B0604030504040204"/>
+                <a:cs typeface="Verdana" panose="020B0604030504040204"/>
               </a:rPr>
               <a:t>l</a:t>
             </a:r>
@@ -8212,8 +7977,8 @@
                 <a:solidFill>
                   <a:srgbClr val="3E3E3E"/>
                 </a:solidFill>
-                <a:latin typeface="Verdana"/>
-                <a:cs typeface="Verdana"/>
+                <a:latin typeface="Verdana" panose="020B0604030504040204"/>
+                <a:cs typeface="Verdana" panose="020B0604030504040204"/>
               </a:rPr>
               <a:t>ou</a:t>
             </a:r>
@@ -8222,8 +7987,8 @@
                 <a:solidFill>
                   <a:srgbClr val="3E3E3E"/>
                 </a:solidFill>
-                <a:latin typeface="Verdana"/>
-                <a:cs typeface="Verdana"/>
+                <a:latin typeface="Verdana" panose="020B0604030504040204"/>
+                <a:cs typeface="Verdana" panose="020B0604030504040204"/>
               </a:rPr>
               <a:t>d</a:t>
             </a:r>
@@ -8232,8 +7997,8 @@
                 <a:solidFill>
                   <a:srgbClr val="3E3E3E"/>
                 </a:solidFill>
-                <a:latin typeface="Verdana"/>
-                <a:cs typeface="Verdana"/>
+                <a:latin typeface="Verdana" panose="020B0604030504040204"/>
+                <a:cs typeface="Verdana" panose="020B0604030504040204"/>
               </a:rPr>
               <a:t> </a:t>
             </a:r>
@@ -8242,8 +8007,8 @@
                 <a:solidFill>
                   <a:srgbClr val="3E3E3E"/>
                 </a:solidFill>
-                <a:latin typeface="Verdana"/>
-                <a:cs typeface="Verdana"/>
+                <a:latin typeface="Verdana" panose="020B0604030504040204"/>
+                <a:cs typeface="Verdana" panose="020B0604030504040204"/>
               </a:rPr>
               <a:t>c</a:t>
             </a:r>
@@ -8252,8 +8017,8 @@
                 <a:solidFill>
                   <a:srgbClr val="3E3E3E"/>
                 </a:solidFill>
-                <a:latin typeface="Verdana"/>
-                <a:cs typeface="Verdana"/>
+                <a:latin typeface="Verdana" panose="020B0604030504040204"/>
+                <a:cs typeface="Verdana" panose="020B0604030504040204"/>
               </a:rPr>
               <a:t>om</a:t>
             </a:r>
@@ -8262,8 +8027,8 @@
                 <a:solidFill>
                   <a:srgbClr val="3E3E3E"/>
                 </a:solidFill>
-                <a:latin typeface="Verdana"/>
-                <a:cs typeface="Verdana"/>
+                <a:latin typeface="Verdana" panose="020B0604030504040204"/>
+                <a:cs typeface="Verdana" panose="020B0604030504040204"/>
               </a:rPr>
               <a:t>p</a:t>
             </a:r>
@@ -8272,8 +8037,8 @@
                 <a:solidFill>
                   <a:srgbClr val="3E3E3E"/>
                 </a:solidFill>
-                <a:latin typeface="Verdana"/>
-                <a:cs typeface="Verdana"/>
+                <a:latin typeface="Verdana" panose="020B0604030504040204"/>
+                <a:cs typeface="Verdana" panose="020B0604030504040204"/>
               </a:rPr>
               <a:t>u</a:t>
             </a:r>
@@ -8282,8 +8047,8 @@
                 <a:solidFill>
                   <a:srgbClr val="3E3E3E"/>
                 </a:solidFill>
-                <a:latin typeface="Verdana"/>
-                <a:cs typeface="Verdana"/>
+                <a:latin typeface="Verdana" panose="020B0604030504040204"/>
+                <a:cs typeface="Verdana" panose="020B0604030504040204"/>
               </a:rPr>
               <a:t>t</a:t>
             </a:r>
@@ -8292,8 +8057,8 @@
                 <a:solidFill>
                   <a:srgbClr val="3E3E3E"/>
                 </a:solidFill>
-                <a:latin typeface="Verdana"/>
-                <a:cs typeface="Verdana"/>
+                <a:latin typeface="Verdana" panose="020B0604030504040204"/>
+                <a:cs typeface="Verdana" panose="020B0604030504040204"/>
               </a:rPr>
               <a:t>i</a:t>
             </a:r>
@@ -8302,8 +8067,8 @@
                 <a:solidFill>
                   <a:srgbClr val="3E3E3E"/>
                 </a:solidFill>
-                <a:latin typeface="Verdana"/>
-                <a:cs typeface="Verdana"/>
+                <a:latin typeface="Verdana" panose="020B0604030504040204"/>
+                <a:cs typeface="Verdana" panose="020B0604030504040204"/>
               </a:rPr>
               <a:t>n</a:t>
             </a:r>
@@ -8312,8 +8077,8 @@
                 <a:solidFill>
                   <a:srgbClr val="3E3E3E"/>
                 </a:solidFill>
-                <a:latin typeface="Verdana"/>
-                <a:cs typeface="Verdana"/>
+                <a:latin typeface="Verdana" panose="020B0604030504040204"/>
+                <a:cs typeface="Verdana" panose="020B0604030504040204"/>
               </a:rPr>
               <a:t>g</a:t>
             </a:r>
@@ -8322,8 +8087,8 @@
                 <a:solidFill>
                   <a:srgbClr val="3E3E3E"/>
                 </a:solidFill>
-                <a:latin typeface="Verdana"/>
-                <a:cs typeface="Verdana"/>
+                <a:latin typeface="Verdana" panose="020B0604030504040204"/>
+                <a:cs typeface="Verdana" panose="020B0604030504040204"/>
               </a:rPr>
               <a:t> </a:t>
             </a:r>
@@ -8332,8 +8097,8 @@
                 <a:solidFill>
                   <a:srgbClr val="3E3E3E"/>
                 </a:solidFill>
-                <a:latin typeface="Verdana"/>
-                <a:cs typeface="Verdana"/>
+                <a:latin typeface="Verdana" panose="020B0604030504040204"/>
+                <a:cs typeface="Verdana" panose="020B0604030504040204"/>
               </a:rPr>
               <a:t>…</a:t>
             </a:r>
@@ -8342,8 +8107,8 @@
                 <a:solidFill>
                   <a:srgbClr val="3E3E3E"/>
                 </a:solidFill>
-                <a:latin typeface="Verdana"/>
-                <a:cs typeface="Verdana"/>
+                <a:latin typeface="Verdana" panose="020B0604030504040204"/>
+                <a:cs typeface="Verdana" panose="020B0604030504040204"/>
               </a:rPr>
               <a:t> </a:t>
             </a:r>
@@ -8352,14 +8117,14 @@
                 <a:solidFill>
                   <a:srgbClr val="3E3E3E"/>
                 </a:solidFill>
-                <a:latin typeface="Verdana"/>
-                <a:cs typeface="Verdana"/>
+                <a:latin typeface="Verdana" panose="020B0604030504040204"/>
+                <a:cs typeface="Verdana" panose="020B0604030504040204"/>
               </a:rPr>
               <a:t>“</a:t>
             </a:r>
             <a:endParaRPr sz="2800">
-              <a:latin typeface="Verdana"/>
-              <a:cs typeface="Verdana"/>
+              <a:latin typeface="Verdana" panose="020B0604030504040204"/>
+              <a:cs typeface="Verdana" panose="020B0604030504040204"/>
             </a:endParaRPr>
           </a:p>
         </p:txBody>
@@ -8398,8 +8163,8 @@
                 <a:solidFill>
                   <a:srgbClr val="9BC850"/>
                 </a:solidFill>
-                <a:latin typeface="Verdana"/>
-                <a:cs typeface="Verdana"/>
+                <a:latin typeface="Verdana" panose="020B0604030504040204"/>
+                <a:cs typeface="Verdana" panose="020B0604030504040204"/>
               </a:rPr>
               <a:t>C</a:t>
             </a:r>
@@ -8408,8 +8173,8 @@
                 <a:solidFill>
                   <a:srgbClr val="9BC850"/>
                 </a:solidFill>
-                <a:latin typeface="Verdana"/>
-                <a:cs typeface="Verdana"/>
+                <a:latin typeface="Verdana" panose="020B0604030504040204"/>
+                <a:cs typeface="Verdana" panose="020B0604030504040204"/>
               </a:rPr>
               <a:t>lo</a:t>
             </a:r>
@@ -8418,8 +8183,8 @@
                 <a:solidFill>
                   <a:srgbClr val="9BC850"/>
                 </a:solidFill>
-                <a:latin typeface="Verdana"/>
-                <a:cs typeface="Verdana"/>
+                <a:latin typeface="Verdana" panose="020B0604030504040204"/>
+                <a:cs typeface="Verdana" panose="020B0604030504040204"/>
               </a:rPr>
               <a:t>u</a:t>
             </a:r>
@@ -8428,8 +8193,8 @@
                 <a:solidFill>
                   <a:srgbClr val="9BC850"/>
                 </a:solidFill>
-                <a:latin typeface="Verdana"/>
-                <a:cs typeface="Verdana"/>
+                <a:latin typeface="Verdana" panose="020B0604030504040204"/>
+                <a:cs typeface="Verdana" panose="020B0604030504040204"/>
               </a:rPr>
               <a:t>d</a:t>
             </a:r>
@@ -8438,8 +8203,8 @@
                 <a:solidFill>
                   <a:srgbClr val="9BC850"/>
                 </a:solidFill>
-                <a:latin typeface="Verdana"/>
-                <a:cs typeface="Verdana"/>
+                <a:latin typeface="Verdana" panose="020B0604030504040204"/>
+                <a:cs typeface="Verdana" panose="020B0604030504040204"/>
               </a:rPr>
               <a:t> </a:t>
             </a:r>
@@ -8448,8 +8213,8 @@
                 <a:solidFill>
                   <a:srgbClr val="9BC850"/>
                 </a:solidFill>
-                <a:latin typeface="Verdana"/>
-                <a:cs typeface="Verdana"/>
+                <a:latin typeface="Verdana" panose="020B0604030504040204"/>
+                <a:cs typeface="Verdana" panose="020B0604030504040204"/>
               </a:rPr>
               <a:t>N</a:t>
             </a:r>
@@ -8458,8 +8223,8 @@
                 <a:solidFill>
                   <a:srgbClr val="9BC850"/>
                 </a:solidFill>
-                <a:latin typeface="Verdana"/>
-                <a:cs typeface="Verdana"/>
+                <a:latin typeface="Verdana" panose="020B0604030504040204"/>
+                <a:cs typeface="Verdana" panose="020B0604030504040204"/>
               </a:rPr>
               <a:t>a</a:t>
             </a:r>
@@ -8468,8 +8233,8 @@
                 <a:solidFill>
                   <a:srgbClr val="9BC850"/>
                 </a:solidFill>
-                <a:latin typeface="Verdana"/>
-                <a:cs typeface="Verdana"/>
+                <a:latin typeface="Verdana" panose="020B0604030504040204"/>
+                <a:cs typeface="Verdana" panose="020B0604030504040204"/>
               </a:rPr>
               <a:t>t</a:t>
             </a:r>
@@ -8478,8 +8243,8 @@
                 <a:solidFill>
                   <a:srgbClr val="9BC850"/>
                 </a:solidFill>
-                <a:latin typeface="Verdana"/>
-                <a:cs typeface="Verdana"/>
+                <a:latin typeface="Verdana" panose="020B0604030504040204"/>
+                <a:cs typeface="Verdana" panose="020B0604030504040204"/>
               </a:rPr>
               <a:t>i</a:t>
             </a:r>
@@ -8488,8 +8253,8 @@
                 <a:solidFill>
                   <a:srgbClr val="9BC850"/>
                 </a:solidFill>
-                <a:latin typeface="Verdana"/>
-                <a:cs typeface="Verdana"/>
+                <a:latin typeface="Verdana" panose="020B0604030504040204"/>
+                <a:cs typeface="Verdana" panose="020B0604030504040204"/>
               </a:rPr>
               <a:t>v</a:t>
             </a:r>
@@ -8498,14 +8263,14 @@
                 <a:solidFill>
                   <a:srgbClr val="9BC850"/>
                 </a:solidFill>
-                <a:latin typeface="Verdana"/>
-                <a:cs typeface="Verdana"/>
+                <a:latin typeface="Verdana" panose="020B0604030504040204"/>
+                <a:cs typeface="Verdana" panose="020B0604030504040204"/>
               </a:rPr>
               <a:t>e</a:t>
             </a:r>
             <a:endParaRPr sz="4800">
-              <a:latin typeface="Verdana"/>
-              <a:cs typeface="Verdana"/>
+              <a:latin typeface="Verdana" panose="020B0604030504040204"/>
+              <a:cs typeface="Verdana" panose="020B0604030504040204"/>
             </a:endParaRPr>
           </a:p>
         </p:txBody>
@@ -8527,8 +8292,6 @@
           <a:p>
             <a:fld id="{B6F15528-21DE-4FAA-801E-634DDDAF4B2B}" type="slidenum">
               <a:rPr lang="en-US" smtClean="0"/>
-              <a:pPr/>
-              <a:t>8</a:t>
             </a:fld>
             <a:endParaRPr lang="en-US"/>
           </a:p>
@@ -8604,33 +8367,9 @@
         <p:txBody>
           <a:bodyPr wrap="square" lIns="0" tIns="0" rIns="0" bIns="0" rtlCol="0"/>
           <a:lstStyle/>
-          <a:p>
-            <a:endParaRPr/>
-          </a:p>
+          <a:p/>
         </p:txBody>
       </p:sp>
-      <p:pic>
-        <p:nvPicPr>
-          <p:cNvPr id="3" name="object 3"/>
-          <p:cNvPicPr/>
-          <p:nvPr/>
-        </p:nvPicPr>
-        <p:blipFill>
-          <a:blip r:embed="rId2" cstate="print"/>
-          <a:stretch>
-            <a:fillRect/>
-          </a:stretch>
-        </p:blipFill>
-        <p:spPr>
-          <a:xfrm>
-            <a:off x="11495531" y="6184391"/>
-            <a:ext cx="451103" cy="449579"/>
-          </a:xfrm>
-          <a:prstGeom prst="rect">
-            <a:avLst/>
-          </a:prstGeom>
-        </p:spPr>
-      </p:pic>
       <p:pic>
         <p:nvPicPr>
           <p:cNvPr id="4" name="object 4"/>
@@ -8638,7 +8377,7 @@
           <p:nvPr/>
         </p:nvPicPr>
         <p:blipFill>
-          <a:blip r:embed="rId3" cstate="print"/>
+          <a:blip r:embed="rId1" cstate="print"/>
           <a:stretch>
             <a:fillRect/>
           </a:stretch>
@@ -8687,8 +8426,8 @@
                 <a:solidFill>
                   <a:srgbClr val="FFFFFF"/>
                 </a:solidFill>
-                <a:latin typeface="Verdana"/>
-                <a:cs typeface="Verdana"/>
+                <a:latin typeface="Verdana" panose="020B0604030504040204"/>
+                <a:cs typeface="Verdana" panose="020B0604030504040204"/>
               </a:rPr>
               <a:t>Spring</a:t>
             </a:r>
@@ -8697,8 +8436,8 @@
                 <a:solidFill>
                   <a:srgbClr val="FFFFFF"/>
                 </a:solidFill>
-                <a:latin typeface="Verdana"/>
-                <a:cs typeface="Verdana"/>
+                <a:latin typeface="Verdana" panose="020B0604030504040204"/>
+                <a:cs typeface="Verdana" panose="020B0604030504040204"/>
               </a:rPr>
               <a:t> </a:t>
             </a:r>
@@ -8707,14 +8446,14 @@
                 <a:solidFill>
                   <a:srgbClr val="FFFFFF"/>
                 </a:solidFill>
-                <a:latin typeface="Verdana"/>
-                <a:cs typeface="Verdana"/>
+                <a:latin typeface="Verdana" panose="020B0604030504040204"/>
+                <a:cs typeface="Verdana" panose="020B0604030504040204"/>
               </a:rPr>
               <a:t>Cloud</a:t>
             </a:r>
             <a:endParaRPr sz="2800">
-              <a:latin typeface="Verdana"/>
-              <a:cs typeface="Verdana"/>
+              <a:latin typeface="Verdana" panose="020B0604030504040204"/>
+              <a:cs typeface="Verdana" panose="020B0604030504040204"/>
             </a:endParaRPr>
           </a:p>
         </p:txBody>
@@ -8726,7 +8465,7 @@
           <p:nvPr/>
         </p:nvPicPr>
         <p:blipFill>
-          <a:blip r:embed="rId4" cstate="print"/>
+          <a:blip r:embed="rId2" cstate="print"/>
           <a:stretch>
             <a:fillRect/>
           </a:stretch>
@@ -8775,8 +8514,8 @@
                 <a:solidFill>
                   <a:srgbClr val="FFFFFF"/>
                 </a:solidFill>
-                <a:latin typeface="Verdana"/>
-                <a:cs typeface="Verdana"/>
+                <a:latin typeface="Verdana" panose="020B0604030504040204"/>
+                <a:cs typeface="Verdana" panose="020B0604030504040204"/>
               </a:rPr>
               <a:t>Spring</a:t>
             </a:r>
@@ -8785,8 +8524,8 @@
                 <a:solidFill>
                   <a:srgbClr val="FFFFFF"/>
                 </a:solidFill>
-                <a:latin typeface="Verdana"/>
-                <a:cs typeface="Verdana"/>
+                <a:latin typeface="Verdana" panose="020B0604030504040204"/>
+                <a:cs typeface="Verdana" panose="020B0604030504040204"/>
               </a:rPr>
               <a:t> </a:t>
             </a:r>
@@ -8795,8 +8534,8 @@
                 <a:solidFill>
                   <a:srgbClr val="FFFFFF"/>
                 </a:solidFill>
-                <a:latin typeface="Verdana"/>
-                <a:cs typeface="Verdana"/>
+                <a:latin typeface="Verdana" panose="020B0604030504040204"/>
+                <a:cs typeface="Verdana" panose="020B0604030504040204"/>
               </a:rPr>
               <a:t>Cloud </a:t>
             </a:r>
@@ -8805,8 +8544,8 @@
                 <a:solidFill>
                   <a:srgbClr val="FFFFFF"/>
                 </a:solidFill>
-                <a:latin typeface="Verdana"/>
-                <a:cs typeface="Verdana"/>
+                <a:latin typeface="Verdana" panose="020B0604030504040204"/>
+                <a:cs typeface="Verdana" panose="020B0604030504040204"/>
               </a:rPr>
               <a:t> </a:t>
             </a:r>
@@ -8815,14 +8554,14 @@
                 <a:solidFill>
                   <a:srgbClr val="FFFFFF"/>
                 </a:solidFill>
-                <a:latin typeface="Verdana"/>
-                <a:cs typeface="Verdana"/>
+                <a:latin typeface="Verdana" panose="020B0604030504040204"/>
+                <a:cs typeface="Verdana" panose="020B0604030504040204"/>
               </a:rPr>
               <a:t>Bus</a:t>
             </a:r>
             <a:endParaRPr sz="1600">
-              <a:latin typeface="Verdana"/>
-              <a:cs typeface="Verdana"/>
+              <a:latin typeface="Verdana" panose="020B0604030504040204"/>
+              <a:cs typeface="Verdana" panose="020B0604030504040204"/>
             </a:endParaRPr>
           </a:p>
         </p:txBody>
@@ -8879,9 +8618,7 @@
           <p:txBody>
             <a:bodyPr wrap="square" lIns="0" tIns="0" rIns="0" bIns="0" rtlCol="0"/>
             <a:lstStyle/>
-            <a:p>
-              <a:endParaRPr/>
-            </a:p>
+            <a:p/>
           </p:txBody>
         </p:sp>
         <p:sp>
@@ -8926,9 +8663,7 @@
           <p:txBody>
             <a:bodyPr wrap="square" lIns="0" tIns="0" rIns="0" bIns="0" rtlCol="0"/>
             <a:lstStyle/>
-            <a:p>
-              <a:endParaRPr/>
-            </a:p>
+            <a:p/>
           </p:txBody>
         </p:sp>
         <p:pic>
@@ -8938,7 +8673,7 @@
             <p:nvPr/>
           </p:nvPicPr>
           <p:blipFill>
-            <a:blip r:embed="rId4" cstate="print"/>
+            <a:blip r:embed="rId2" cstate="print"/>
             <a:stretch>
               <a:fillRect/>
             </a:stretch>
@@ -8988,8 +8723,8 @@
                 <a:solidFill>
                   <a:srgbClr val="FFFFFF"/>
                 </a:solidFill>
-                <a:latin typeface="Verdana"/>
-                <a:cs typeface="Verdana"/>
+                <a:latin typeface="Verdana" panose="020B0604030504040204"/>
+                <a:cs typeface="Verdana" panose="020B0604030504040204"/>
               </a:rPr>
               <a:t>Spring</a:t>
             </a:r>
@@ -8998,8 +8733,8 @@
                 <a:solidFill>
                   <a:srgbClr val="FFFFFF"/>
                 </a:solidFill>
-                <a:latin typeface="Verdana"/>
-                <a:cs typeface="Verdana"/>
+                <a:latin typeface="Verdana" panose="020B0604030504040204"/>
+                <a:cs typeface="Verdana" panose="020B0604030504040204"/>
               </a:rPr>
               <a:t> </a:t>
             </a:r>
@@ -9008,8 +8743,8 @@
                 <a:solidFill>
                   <a:srgbClr val="FFFFFF"/>
                 </a:solidFill>
-                <a:latin typeface="Verdana"/>
-                <a:cs typeface="Verdana"/>
+                <a:latin typeface="Verdana" panose="020B0604030504040204"/>
+                <a:cs typeface="Verdana" panose="020B0604030504040204"/>
               </a:rPr>
               <a:t>Cloud </a:t>
             </a:r>
@@ -9018,8 +8753,8 @@
                 <a:solidFill>
                   <a:srgbClr val="FFFFFF"/>
                 </a:solidFill>
-                <a:latin typeface="Verdana"/>
-                <a:cs typeface="Verdana"/>
+                <a:latin typeface="Verdana" panose="020B0604030504040204"/>
+                <a:cs typeface="Verdana" panose="020B0604030504040204"/>
               </a:rPr>
               <a:t> </a:t>
             </a:r>
@@ -9028,14 +8763,14 @@
                 <a:solidFill>
                   <a:srgbClr val="FFFFFF"/>
                 </a:solidFill>
-                <a:latin typeface="Verdana"/>
-                <a:cs typeface="Verdana"/>
+                <a:latin typeface="Verdana" panose="020B0604030504040204"/>
+                <a:cs typeface="Verdana" panose="020B0604030504040204"/>
               </a:rPr>
               <a:t>Stream</a:t>
             </a:r>
             <a:endParaRPr sz="1600">
-              <a:latin typeface="Verdana"/>
-              <a:cs typeface="Verdana"/>
+              <a:latin typeface="Verdana" panose="020B0604030504040204"/>
+              <a:cs typeface="Verdana" panose="020B0604030504040204"/>
             </a:endParaRPr>
           </a:p>
         </p:txBody>
@@ -9092,9 +8827,7 @@
           <p:txBody>
             <a:bodyPr wrap="square" lIns="0" tIns="0" rIns="0" bIns="0" rtlCol="0"/>
             <a:lstStyle/>
-            <a:p>
-              <a:endParaRPr/>
-            </a:p>
+            <a:p/>
           </p:txBody>
         </p:sp>
         <p:sp>
@@ -9139,9 +8872,7 @@
           <p:txBody>
             <a:bodyPr wrap="square" lIns="0" tIns="0" rIns="0" bIns="0" rtlCol="0"/>
             <a:lstStyle/>
-            <a:p>
-              <a:endParaRPr/>
-            </a:p>
+            <a:p/>
           </p:txBody>
         </p:sp>
         <p:pic>
@@ -9151,7 +8882,7 @@
             <p:nvPr/>
           </p:nvPicPr>
           <p:blipFill>
-            <a:blip r:embed="rId4" cstate="print"/>
+            <a:blip r:embed="rId2" cstate="print"/>
             <a:stretch>
               <a:fillRect/>
             </a:stretch>
@@ -9201,8 +8932,8 @@
                 <a:solidFill>
                   <a:srgbClr val="FFFFFF"/>
                 </a:solidFill>
-                <a:latin typeface="Verdana"/>
-                <a:cs typeface="Verdana"/>
+                <a:latin typeface="Verdana" panose="020B0604030504040204"/>
+                <a:cs typeface="Verdana" panose="020B0604030504040204"/>
               </a:rPr>
               <a:t>Spring</a:t>
             </a:r>
@@ -9211,8 +8942,8 @@
                 <a:solidFill>
                   <a:srgbClr val="FFFFFF"/>
                 </a:solidFill>
-                <a:latin typeface="Verdana"/>
-                <a:cs typeface="Verdana"/>
+                <a:latin typeface="Verdana" panose="020B0604030504040204"/>
+                <a:cs typeface="Verdana" panose="020B0604030504040204"/>
               </a:rPr>
               <a:t> </a:t>
             </a:r>
@@ -9221,8 +8952,8 @@
                 <a:solidFill>
                   <a:srgbClr val="FFFFFF"/>
                 </a:solidFill>
-                <a:latin typeface="Verdana"/>
-                <a:cs typeface="Verdana"/>
+                <a:latin typeface="Verdana" panose="020B0604030504040204"/>
+                <a:cs typeface="Verdana" panose="020B0604030504040204"/>
               </a:rPr>
               <a:t>Cloud </a:t>
             </a:r>
@@ -9231,8 +8962,8 @@
                 <a:solidFill>
                   <a:srgbClr val="FFFFFF"/>
                 </a:solidFill>
-                <a:latin typeface="Verdana"/>
-                <a:cs typeface="Verdana"/>
+                <a:latin typeface="Verdana" panose="020B0604030504040204"/>
+                <a:cs typeface="Verdana" panose="020B0604030504040204"/>
               </a:rPr>
               <a:t> </a:t>
             </a:r>
@@ -9241,14 +8972,14 @@
                 <a:solidFill>
                   <a:srgbClr val="FFFFFF"/>
                 </a:solidFill>
-                <a:latin typeface="Verdana"/>
-                <a:cs typeface="Verdana"/>
+                <a:latin typeface="Verdana" panose="020B0604030504040204"/>
+                <a:cs typeface="Verdana" panose="020B0604030504040204"/>
               </a:rPr>
               <a:t>Sleuth</a:t>
             </a:r>
             <a:endParaRPr sz="1600">
-              <a:latin typeface="Verdana"/>
-              <a:cs typeface="Verdana"/>
+              <a:latin typeface="Verdana" panose="020B0604030504040204"/>
+              <a:cs typeface="Verdana" panose="020B0604030504040204"/>
             </a:endParaRPr>
           </a:p>
         </p:txBody>
@@ -9305,9 +9036,7 @@
           <p:txBody>
             <a:bodyPr wrap="square" lIns="0" tIns="0" rIns="0" bIns="0" rtlCol="0"/>
             <a:lstStyle/>
-            <a:p>
-              <a:endParaRPr/>
-            </a:p>
+            <a:p/>
           </p:txBody>
         </p:sp>
         <p:sp>
@@ -9352,9 +9081,7 @@
           <p:txBody>
             <a:bodyPr wrap="square" lIns="0" tIns="0" rIns="0" bIns="0" rtlCol="0"/>
             <a:lstStyle/>
-            <a:p>
-              <a:endParaRPr/>
-            </a:p>
+            <a:p/>
           </p:txBody>
         </p:sp>
         <p:pic>
@@ -9364,7 +9091,7 @@
             <p:nvPr/>
           </p:nvPicPr>
           <p:blipFill>
-            <a:blip r:embed="rId4" cstate="print"/>
+            <a:blip r:embed="rId2" cstate="print"/>
             <a:stretch>
               <a:fillRect/>
             </a:stretch>
@@ -9414,8 +9141,8 @@
                 <a:solidFill>
                   <a:srgbClr val="FFFFFF"/>
                 </a:solidFill>
-                <a:latin typeface="Verdana"/>
-                <a:cs typeface="Verdana"/>
+                <a:latin typeface="Verdana" panose="020B0604030504040204"/>
+                <a:cs typeface="Verdana" panose="020B0604030504040204"/>
               </a:rPr>
               <a:t>Spring</a:t>
             </a:r>
@@ -9424,8 +9151,8 @@
                 <a:solidFill>
                   <a:srgbClr val="FFFFFF"/>
                 </a:solidFill>
-                <a:latin typeface="Verdana"/>
-                <a:cs typeface="Verdana"/>
+                <a:latin typeface="Verdana" panose="020B0604030504040204"/>
+                <a:cs typeface="Verdana" panose="020B0604030504040204"/>
               </a:rPr>
               <a:t> </a:t>
             </a:r>
@@ -9434,8 +9161,8 @@
                 <a:solidFill>
                   <a:srgbClr val="FFFFFF"/>
                 </a:solidFill>
-                <a:latin typeface="Verdana"/>
-                <a:cs typeface="Verdana"/>
+                <a:latin typeface="Verdana" panose="020B0604030504040204"/>
+                <a:cs typeface="Verdana" panose="020B0604030504040204"/>
               </a:rPr>
               <a:t>Cloud </a:t>
             </a:r>
@@ -9444,8 +9171,8 @@
                 <a:solidFill>
                   <a:srgbClr val="FFFFFF"/>
                 </a:solidFill>
-                <a:latin typeface="Verdana"/>
-                <a:cs typeface="Verdana"/>
+                <a:latin typeface="Verdana" panose="020B0604030504040204"/>
+                <a:cs typeface="Verdana" panose="020B0604030504040204"/>
               </a:rPr>
               <a:t> </a:t>
             </a:r>
@@ -9454,14 +9181,14 @@
                 <a:solidFill>
                   <a:srgbClr val="FFFFFF"/>
                 </a:solidFill>
-                <a:latin typeface="Verdana"/>
-                <a:cs typeface="Verdana"/>
+                <a:latin typeface="Verdana" panose="020B0604030504040204"/>
+                <a:cs typeface="Verdana" panose="020B0604030504040204"/>
               </a:rPr>
               <a:t>Cluster</a:t>
             </a:r>
             <a:endParaRPr sz="1600">
-              <a:latin typeface="Verdana"/>
-              <a:cs typeface="Verdana"/>
+              <a:latin typeface="Verdana" panose="020B0604030504040204"/>
+              <a:cs typeface="Verdana" panose="020B0604030504040204"/>
             </a:endParaRPr>
           </a:p>
         </p:txBody>
@@ -9518,9 +9245,7 @@
           <p:txBody>
             <a:bodyPr wrap="square" lIns="0" tIns="0" rIns="0" bIns="0" rtlCol="0"/>
             <a:lstStyle/>
-            <a:p>
-              <a:endParaRPr/>
-            </a:p>
+            <a:p/>
           </p:txBody>
         </p:sp>
         <p:sp>
@@ -9565,9 +9290,7 @@
           <p:txBody>
             <a:bodyPr wrap="square" lIns="0" tIns="0" rIns="0" bIns="0" rtlCol="0"/>
             <a:lstStyle/>
-            <a:p>
-              <a:endParaRPr/>
-            </a:p>
+            <a:p/>
           </p:txBody>
         </p:sp>
         <p:pic>
@@ -9577,7 +9300,7 @@
             <p:nvPr/>
           </p:nvPicPr>
           <p:blipFill>
-            <a:blip r:embed="rId4" cstate="print"/>
+            <a:blip r:embed="rId2" cstate="print"/>
             <a:stretch>
               <a:fillRect/>
             </a:stretch>
@@ -9627,8 +9350,8 @@
                 <a:solidFill>
                   <a:srgbClr val="FFFFFF"/>
                 </a:solidFill>
-                <a:latin typeface="Verdana"/>
-                <a:cs typeface="Verdana"/>
+                <a:latin typeface="Verdana" panose="020B0604030504040204"/>
+                <a:cs typeface="Verdana" panose="020B0604030504040204"/>
               </a:rPr>
               <a:t>Mo</a:t>
             </a:r>
@@ -9637,8 +9360,8 @@
                 <a:solidFill>
                   <a:srgbClr val="FFFFFF"/>
                 </a:solidFill>
-                <a:latin typeface="Verdana"/>
-                <a:cs typeface="Verdana"/>
+                <a:latin typeface="Verdana" panose="020B0604030504040204"/>
+                <a:cs typeface="Verdana" panose="020B0604030504040204"/>
               </a:rPr>
               <a:t>r</a:t>
             </a:r>
@@ -9647,8 +9370,8 @@
                 <a:solidFill>
                   <a:srgbClr val="FFFFFF"/>
                 </a:solidFill>
-                <a:latin typeface="Verdana"/>
-                <a:cs typeface="Verdana"/>
+                <a:latin typeface="Verdana" panose="020B0604030504040204"/>
+                <a:cs typeface="Verdana" panose="020B0604030504040204"/>
               </a:rPr>
               <a:t>e</a:t>
             </a:r>
@@ -9657,14 +9380,14 @@
                 <a:solidFill>
                   <a:srgbClr val="FFFFFF"/>
                 </a:solidFill>
-                <a:latin typeface="Verdana"/>
-                <a:cs typeface="Verdana"/>
+                <a:latin typeface="Verdana" panose="020B0604030504040204"/>
+                <a:cs typeface="Verdana" panose="020B0604030504040204"/>
               </a:rPr>
               <a:t>…</a:t>
             </a:r>
             <a:endParaRPr sz="1600">
-              <a:latin typeface="Verdana"/>
-              <a:cs typeface="Verdana"/>
+              <a:latin typeface="Verdana" panose="020B0604030504040204"/>
+              <a:cs typeface="Verdana" panose="020B0604030504040204"/>
             </a:endParaRPr>
           </a:p>
         </p:txBody>
@@ -9721,9 +9444,7 @@
           <p:txBody>
             <a:bodyPr wrap="square" lIns="0" tIns="0" rIns="0" bIns="0" rtlCol="0"/>
             <a:lstStyle/>
-            <a:p>
-              <a:endParaRPr/>
-            </a:p>
+            <a:p/>
           </p:txBody>
         </p:sp>
         <p:sp>
@@ -9768,9 +9489,7 @@
           <p:txBody>
             <a:bodyPr wrap="square" lIns="0" tIns="0" rIns="0" bIns="0" rtlCol="0"/>
             <a:lstStyle/>
-            <a:p>
-              <a:endParaRPr/>
-            </a:p>
+            <a:p/>
           </p:txBody>
         </p:sp>
         <p:pic>
@@ -9780,7 +9499,7 @@
             <p:nvPr/>
           </p:nvPicPr>
           <p:blipFill>
-            <a:blip r:embed="rId4" cstate="print"/>
+            <a:blip r:embed="rId2" cstate="print"/>
             <a:stretch>
               <a:fillRect/>
             </a:stretch>
@@ -9830,8 +9549,8 @@
                 <a:solidFill>
                   <a:srgbClr val="FFFFFF"/>
                 </a:solidFill>
-                <a:latin typeface="Verdana"/>
-                <a:cs typeface="Verdana"/>
+                <a:latin typeface="Verdana" panose="020B0604030504040204"/>
+                <a:cs typeface="Verdana" panose="020B0604030504040204"/>
               </a:rPr>
               <a:t>Spring</a:t>
             </a:r>
@@ -9840,8 +9559,8 @@
                 <a:solidFill>
                   <a:srgbClr val="FFFFFF"/>
                 </a:solidFill>
-                <a:latin typeface="Verdana"/>
-                <a:cs typeface="Verdana"/>
+                <a:latin typeface="Verdana" panose="020B0604030504040204"/>
+                <a:cs typeface="Verdana" panose="020B0604030504040204"/>
               </a:rPr>
               <a:t> </a:t>
             </a:r>
@@ -9850,8 +9569,8 @@
                 <a:solidFill>
                   <a:srgbClr val="FFFFFF"/>
                 </a:solidFill>
-                <a:latin typeface="Verdana"/>
-                <a:cs typeface="Verdana"/>
+                <a:latin typeface="Verdana" panose="020B0604030504040204"/>
+                <a:cs typeface="Verdana" panose="020B0604030504040204"/>
               </a:rPr>
               <a:t>Cloud </a:t>
             </a:r>
@@ -9860,8 +9579,8 @@
                 <a:solidFill>
                   <a:srgbClr val="FFFFFF"/>
                 </a:solidFill>
-                <a:latin typeface="Verdana"/>
-                <a:cs typeface="Verdana"/>
+                <a:latin typeface="Verdana" panose="020B0604030504040204"/>
+                <a:cs typeface="Verdana" panose="020B0604030504040204"/>
               </a:rPr>
               <a:t> </a:t>
             </a:r>
@@ -9870,14 +9589,14 @@
                 <a:solidFill>
                   <a:srgbClr val="FFFFFF"/>
                 </a:solidFill>
-                <a:latin typeface="Verdana"/>
-                <a:cs typeface="Verdana"/>
+                <a:latin typeface="Verdana" panose="020B0604030504040204"/>
+                <a:cs typeface="Verdana" panose="020B0604030504040204"/>
               </a:rPr>
               <a:t>Consul</a:t>
             </a:r>
             <a:endParaRPr sz="1600">
-              <a:latin typeface="Verdana"/>
-              <a:cs typeface="Verdana"/>
+              <a:latin typeface="Verdana" panose="020B0604030504040204"/>
+              <a:cs typeface="Verdana" panose="020B0604030504040204"/>
             </a:endParaRPr>
           </a:p>
         </p:txBody>
@@ -9934,9 +9653,7 @@
           <p:txBody>
             <a:bodyPr wrap="square" lIns="0" tIns="0" rIns="0" bIns="0" rtlCol="0"/>
             <a:lstStyle/>
-            <a:p>
-              <a:endParaRPr/>
-            </a:p>
+            <a:p/>
           </p:txBody>
         </p:sp>
         <p:sp>
@@ -9981,9 +9698,7 @@
           <p:txBody>
             <a:bodyPr wrap="square" lIns="0" tIns="0" rIns="0" bIns="0" rtlCol="0"/>
             <a:lstStyle/>
-            <a:p>
-              <a:endParaRPr/>
-            </a:p>
+            <a:p/>
           </p:txBody>
         </p:sp>
         <p:pic>
@@ -9993,7 +9708,7 @@
             <p:nvPr/>
           </p:nvPicPr>
           <p:blipFill>
-            <a:blip r:embed="rId4" cstate="print"/>
+            <a:blip r:embed="rId2" cstate="print"/>
             <a:stretch>
               <a:fillRect/>
             </a:stretch>
@@ -10043,8 +9758,8 @@
                 <a:solidFill>
                   <a:srgbClr val="FFFFFF"/>
                 </a:solidFill>
-                <a:latin typeface="Verdana"/>
-                <a:cs typeface="Verdana"/>
+                <a:latin typeface="Verdana" panose="020B0604030504040204"/>
+                <a:cs typeface="Verdana" panose="020B0604030504040204"/>
               </a:rPr>
               <a:t>Spring</a:t>
             </a:r>
@@ -10053,8 +9768,8 @@
                 <a:solidFill>
                   <a:srgbClr val="FFFFFF"/>
                 </a:solidFill>
-                <a:latin typeface="Verdana"/>
-                <a:cs typeface="Verdana"/>
+                <a:latin typeface="Verdana" panose="020B0604030504040204"/>
+                <a:cs typeface="Verdana" panose="020B0604030504040204"/>
               </a:rPr>
               <a:t> </a:t>
             </a:r>
@@ -10063,8 +9778,8 @@
                 <a:solidFill>
                   <a:srgbClr val="FFFFFF"/>
                 </a:solidFill>
-                <a:latin typeface="Verdana"/>
-                <a:cs typeface="Verdana"/>
+                <a:latin typeface="Verdana" panose="020B0604030504040204"/>
+                <a:cs typeface="Verdana" panose="020B0604030504040204"/>
               </a:rPr>
               <a:t>Cloud </a:t>
             </a:r>
@@ -10073,8 +9788,8 @@
                 <a:solidFill>
                   <a:srgbClr val="FFFFFF"/>
                 </a:solidFill>
-                <a:latin typeface="Verdana"/>
-                <a:cs typeface="Verdana"/>
+                <a:latin typeface="Verdana" panose="020B0604030504040204"/>
+                <a:cs typeface="Verdana" panose="020B0604030504040204"/>
               </a:rPr>
               <a:t> </a:t>
             </a:r>
@@ -10083,14 +9798,14 @@
                 <a:solidFill>
                   <a:srgbClr val="FFFFFF"/>
                 </a:solidFill>
-                <a:latin typeface="Verdana"/>
-                <a:cs typeface="Verdana"/>
+                <a:latin typeface="Verdana" panose="020B0604030504040204"/>
+                <a:cs typeface="Verdana" panose="020B0604030504040204"/>
               </a:rPr>
               <a:t>Netflix</a:t>
             </a:r>
             <a:endParaRPr sz="1600">
-              <a:latin typeface="Verdana"/>
-              <a:cs typeface="Verdana"/>
+              <a:latin typeface="Verdana" panose="020B0604030504040204"/>
+              <a:cs typeface="Verdana" panose="020B0604030504040204"/>
             </a:endParaRPr>
           </a:p>
         </p:txBody>
@@ -10147,9 +9862,7 @@
           <p:txBody>
             <a:bodyPr wrap="square" lIns="0" tIns="0" rIns="0" bIns="0" rtlCol="0"/>
             <a:lstStyle/>
-            <a:p>
-              <a:endParaRPr/>
-            </a:p>
+            <a:p/>
           </p:txBody>
         </p:sp>
         <p:sp>
@@ -10194,9 +9907,7 @@
           <p:txBody>
             <a:bodyPr wrap="square" lIns="0" tIns="0" rIns="0" bIns="0" rtlCol="0"/>
             <a:lstStyle/>
-            <a:p>
-              <a:endParaRPr/>
-            </a:p>
+            <a:p/>
           </p:txBody>
         </p:sp>
         <p:pic>
@@ -10206,7 +9917,7 @@
             <p:nvPr/>
           </p:nvPicPr>
           <p:blipFill>
-            <a:blip r:embed="rId4" cstate="print"/>
+            <a:blip r:embed="rId2" cstate="print"/>
             <a:stretch>
               <a:fillRect/>
             </a:stretch>
@@ -10271,6 +9982,7 @@
               <a:rPr spc="30" dirty="0"/>
               <a:t>Config</a:t>
             </a:r>
+            <a:endParaRPr spc="30" dirty="0"/>
           </a:p>
         </p:txBody>
       </p:sp>
@@ -10326,9 +10038,7 @@
           <p:txBody>
             <a:bodyPr wrap="square" lIns="0" tIns="0" rIns="0" bIns="0" rtlCol="0"/>
             <a:lstStyle/>
-            <a:p>
-              <a:endParaRPr/>
-            </a:p>
+            <a:p/>
           </p:txBody>
         </p:sp>
         <p:sp>
@@ -10373,9 +10083,7 @@
           <p:txBody>
             <a:bodyPr wrap="square" lIns="0" tIns="0" rIns="0" bIns="0" rtlCol="0"/>
             <a:lstStyle/>
-            <a:p>
-              <a:endParaRPr/>
-            </a:p>
+            <a:p/>
           </p:txBody>
         </p:sp>
       </p:grpSp>
@@ -10396,8 +10104,6 @@
           <a:p>
             <a:fld id="{B6F15528-21DE-4FAA-801E-634DDDAF4B2B}" type="slidenum">
               <a:rPr lang="en-US" smtClean="0"/>
-              <a:pPr/>
-              <a:t>9</a:t>
             </a:fld>
             <a:endParaRPr lang="en-US"/>
           </a:p>
@@ -10689,8 +10395,11 @@
       </a:bgFillStyleLst>
     </a:fmtScheme>
   </a:themeElements>
-  <a:objectDefaults/>
-  <a:extraClrSchemeLst/>
+  <a:extLst>
+    <a:ext uri="{05A4C25C-085E-4340-85A3-A5531E510DB2}">
+      <thm15:themeFamily xmlns:thm15="http://schemas.microsoft.com/office/thememl/2012/main" name="Office Theme" id="{62F939B6-93AF-4DB8-9C6B-D6C7DFDC589F}" vid="{4A3C46E8-61CC-4603-A589-7422A47A8E4A}"/>
+    </a:ext>
+  </a:extLst>
 </a:theme>
 </file>
 
@@ -10972,7 +10681,10 @@
       </a:bgFillStyleLst>
     </a:fmtScheme>
   </a:themeElements>
-  <a:objectDefaults/>
-  <a:extraClrSchemeLst/>
+  <a:extLst>
+    <a:ext uri="{05A4C25C-085E-4340-85A3-A5531E510DB2}">
+      <thm15:themeFamily xmlns:thm15="http://schemas.microsoft.com/office/thememl/2012/main" name="Office Theme" id="{62F939B6-93AF-4DB8-9C6B-D6C7DFDC589F}" vid="{4A3C46E8-61CC-4603-A589-7422A47A8E4A}"/>
+    </a:ext>
+  </a:extLst>
 </a:theme>
 </file>